--- a/doc/pres.pptx
+++ b/doc/pres.pptx
@@ -10,9 +10,18 @@
     <p:sldId id="261" r:id="rId4"/>
     <p:sldId id="258" r:id="rId5"/>
     <p:sldId id="259" r:id="rId6"/>
-    <p:sldId id="260" r:id="rId7"/>
-    <p:sldId id="262" r:id="rId8"/>
-    <p:sldId id="263" r:id="rId9"/>
+    <p:sldId id="262" r:id="rId7"/>
+    <p:sldId id="264" r:id="rId8"/>
+    <p:sldId id="266" r:id="rId9"/>
+    <p:sldId id="265" r:id="rId10"/>
+    <p:sldId id="267" r:id="rId11"/>
+    <p:sldId id="268" r:id="rId12"/>
+    <p:sldId id="271" r:id="rId13"/>
+    <p:sldId id="269" r:id="rId14"/>
+    <p:sldId id="270" r:id="rId15"/>
+    <p:sldId id="272" r:id="rId16"/>
+    <p:sldId id="273" r:id="rId17"/>
+    <p:sldId id="274" r:id="rId18"/>
   </p:sldIdLst>
   <p:sldSz cx="9144000" cy="6858000" type="screen4x3"/>
   <p:notesSz cx="6858000" cy="9144000"/>
@@ -2608,6 +2617,1522 @@
 </p:sld>
 </file>
 
+<file path=ppt/slides/slide10.xml><?xml version="1.0" encoding="utf-8"?>
+<p:sld xmlns:a="http://schemas.openxmlformats.org/drawingml/2006/main" xmlns:r="http://schemas.openxmlformats.org/officeDocument/2006/relationships" xmlns:p="http://schemas.openxmlformats.org/presentationml/2006/main">
+  <p:cSld>
+    <p:spTree>
+      <p:nvGrpSpPr>
+        <p:cNvPr id="1" name=""/>
+        <p:cNvGrpSpPr/>
+        <p:nvPr/>
+      </p:nvGrpSpPr>
+      <p:grpSpPr>
+        <a:xfrm>
+          <a:off x="0" y="0"/>
+          <a:ext cx="0" cy="0"/>
+          <a:chOff x="0" y="0"/>
+          <a:chExt cx="0" cy="0"/>
+        </a:xfrm>
+      </p:grpSpPr>
+      <p:sp>
+        <p:nvSpPr>
+          <p:cNvPr id="2" name="Título 1"/>
+          <p:cNvSpPr>
+            <a:spLocks noGrp="1"/>
+          </p:cNvSpPr>
+          <p:nvPr>
+            <p:ph type="title"/>
+          </p:nvPr>
+        </p:nvSpPr>
+        <p:spPr/>
+        <p:txBody>
+          <a:bodyPr/>
+          <a:lstStyle/>
+          <a:p>
+            <a:r>
+              <a:rPr lang="pt-BR" dirty="0" smtClean="0"/>
+              <a:t>Visão Geral</a:t>
+            </a:r>
+            <a:endParaRPr lang="pt-BR" dirty="0"/>
+          </a:p>
+        </p:txBody>
+      </p:sp>
+      <p:sp>
+        <p:nvSpPr>
+          <p:cNvPr id="3" name="Espaço Reservado para Conteúdo 2"/>
+          <p:cNvSpPr>
+            <a:spLocks noGrp="1"/>
+          </p:cNvSpPr>
+          <p:nvPr>
+            <p:ph idx="1"/>
+          </p:nvPr>
+        </p:nvSpPr>
+        <p:spPr/>
+        <p:txBody>
+          <a:bodyPr/>
+          <a:lstStyle/>
+          <a:p>
+            <a:r>
+              <a:rPr lang="pt-BR" dirty="0" smtClean="0"/>
+              <a:t>Pré-processamento</a:t>
+            </a:r>
+          </a:p>
+          <a:p>
+            <a:pPr lvl="1"/>
+            <a:r>
+              <a:rPr lang="pt-BR" dirty="0" smtClean="0"/>
+              <a:t>Tons de cinza</a:t>
+            </a:r>
+          </a:p>
+          <a:p>
+            <a:pPr lvl="1"/>
+            <a:r>
+              <a:rPr lang="pt-BR" dirty="0" smtClean="0"/>
+              <a:t>Detecção de bordas (</a:t>
+            </a:r>
+            <a:r>
+              <a:rPr lang="pt-BR" dirty="0" err="1" smtClean="0"/>
+              <a:t>Canny</a:t>
+            </a:r>
+            <a:r>
+              <a:rPr lang="pt-BR" dirty="0" smtClean="0"/>
+              <a:t>)</a:t>
+            </a:r>
+          </a:p>
+          <a:p>
+            <a:pPr lvl="1"/>
+            <a:r>
+              <a:rPr lang="pt-BR" dirty="0" err="1" smtClean="0"/>
+              <a:t>Limiarização</a:t>
+            </a:r>
+            <a:r>
+              <a:rPr lang="pt-BR" dirty="0" smtClean="0"/>
+              <a:t> (</a:t>
+            </a:r>
+            <a:r>
+              <a:rPr lang="pt-BR" dirty="0" err="1" smtClean="0"/>
+              <a:t>Block-Otsu</a:t>
+            </a:r>
+            <a:r>
+              <a:rPr lang="pt-BR" dirty="0" smtClean="0"/>
+              <a:t>)</a:t>
+            </a:r>
+          </a:p>
+          <a:p>
+            <a:r>
+              <a:rPr lang="pt-BR" dirty="0" smtClean="0"/>
+              <a:t>Detecção e seleção de Linhas</a:t>
+            </a:r>
+          </a:p>
+          <a:p>
+            <a:r>
+              <a:rPr lang="pt-BR" dirty="0" smtClean="0"/>
+              <a:t>Detecção e seleção de PF</a:t>
+            </a:r>
+          </a:p>
+          <a:p>
+            <a:r>
+              <a:rPr lang="pt-BR" dirty="0" smtClean="0"/>
+              <a:t>Transformação de retificação</a:t>
+            </a:r>
+          </a:p>
+          <a:p>
+            <a:endParaRPr lang="pt-BR" dirty="0" smtClean="0"/>
+          </a:p>
+        </p:txBody>
+      </p:sp>
+      <p:pic>
+        <p:nvPicPr>
+          <p:cNvPr id="8194" name="Picture 2"/>
+          <p:cNvPicPr>
+            <a:picLocks noChangeAspect="1" noChangeArrowheads="1"/>
+          </p:cNvPicPr>
+          <p:nvPr/>
+        </p:nvPicPr>
+        <p:blipFill>
+          <a:blip r:embed="rId2">
+            <a:extLst>
+              <a:ext uri="{28A0092B-C50C-407E-A947-70E740481C1C}">
+                <a14:useLocalDpi xmlns:a14="http://schemas.microsoft.com/office/drawing/2010/main" val="0"/>
+              </a:ext>
+            </a:extLst>
+          </a:blip>
+          <a:srcRect/>
+          <a:stretch>
+            <a:fillRect/>
+          </a:stretch>
+        </p:blipFill>
+        <p:spPr bwMode="auto">
+          <a:xfrm>
+            <a:off x="5868144" y="1988840"/>
+            <a:ext cx="2632269" cy="3523965"/>
+          </a:xfrm>
+          <a:prstGeom prst="rect">
+            <a:avLst/>
+          </a:prstGeom>
+          <a:noFill/>
+          <a:ln>
+            <a:noFill/>
+          </a:ln>
+          <a:effectLst/>
+          <a:extLst>
+            <a:ext uri="{909E8E84-426E-40DD-AFC4-6F175D3DCCD1}">
+              <a14:hiddenFill xmlns:a14="http://schemas.microsoft.com/office/drawing/2010/main">
+                <a:solidFill>
+                  <a:schemeClr val="accent1"/>
+                </a:solidFill>
+              </a14:hiddenFill>
+            </a:ext>
+            <a:ext uri="{91240B29-F687-4F45-9708-019B960494DF}">
+              <a14:hiddenLine xmlns:a14="http://schemas.microsoft.com/office/drawing/2010/main" w="9525">
+                <a:solidFill>
+                  <a:schemeClr val="tx1"/>
+                </a:solidFill>
+                <a:miter lim="800000"/>
+                <a:headEnd/>
+                <a:tailEnd/>
+              </a14:hiddenLine>
+            </a:ext>
+            <a:ext uri="{AF507438-7753-43E0-B8FC-AC1667EBCBE1}">
+              <a14:hiddenEffects xmlns:a14="http://schemas.microsoft.com/office/drawing/2010/main">
+                <a:effectLst>
+                  <a:outerShdw dist="35921" dir="2700000" algn="ctr" rotWithShape="0">
+                    <a:schemeClr val="bg2"/>
+                  </a:outerShdw>
+                </a:effectLst>
+              </a14:hiddenEffects>
+            </a:ext>
+          </a:extLst>
+        </p:spPr>
+      </p:pic>
+    </p:spTree>
+    <p:extLst>
+      <p:ext uri="{BB962C8B-B14F-4D97-AF65-F5344CB8AC3E}">
+        <p14:creationId xmlns:p14="http://schemas.microsoft.com/office/powerpoint/2010/main" val="1949961589"/>
+      </p:ext>
+    </p:extLst>
+  </p:cSld>
+  <p:clrMapOvr>
+    <a:masterClrMapping/>
+  </p:clrMapOvr>
+  <p:timing>
+    <p:tnLst>
+      <p:par>
+        <p:cTn id="1" dur="indefinite" restart="never" nodeType="tmRoot"/>
+      </p:par>
+    </p:tnLst>
+  </p:timing>
+</p:sld>
+</file>
+
+<file path=ppt/slides/slide11.xml><?xml version="1.0" encoding="utf-8"?>
+<p:sld xmlns:a="http://schemas.openxmlformats.org/drawingml/2006/main" xmlns:r="http://schemas.openxmlformats.org/officeDocument/2006/relationships" xmlns:p="http://schemas.openxmlformats.org/presentationml/2006/main">
+  <p:cSld>
+    <p:spTree>
+      <p:nvGrpSpPr>
+        <p:cNvPr id="1" name=""/>
+        <p:cNvGrpSpPr/>
+        <p:nvPr/>
+      </p:nvGrpSpPr>
+      <p:grpSpPr>
+        <a:xfrm>
+          <a:off x="0" y="0"/>
+          <a:ext cx="0" cy="0"/>
+          <a:chOff x="0" y="0"/>
+          <a:chExt cx="0" cy="0"/>
+        </a:xfrm>
+      </p:grpSpPr>
+      <p:sp>
+        <p:nvSpPr>
+          <p:cNvPr id="4" name="Título 3"/>
+          <p:cNvSpPr>
+            <a:spLocks noGrp="1"/>
+          </p:cNvSpPr>
+          <p:nvPr>
+            <p:ph type="title"/>
+          </p:nvPr>
+        </p:nvSpPr>
+        <p:spPr/>
+        <p:txBody>
+          <a:bodyPr/>
+          <a:lstStyle/>
+          <a:p>
+            <a:r>
+              <a:rPr lang="pt-BR" dirty="0" smtClean="0"/>
+              <a:t>Detecção e Seleção de </a:t>
+            </a:r>
+            <a:br>
+              <a:rPr lang="pt-BR" dirty="0" smtClean="0"/>
+            </a:br>
+            <a:r>
+              <a:rPr lang="pt-BR" dirty="0" smtClean="0"/>
+              <a:t>Pontos de fuga</a:t>
+            </a:r>
+            <a:endParaRPr lang="pt-BR" dirty="0"/>
+          </a:p>
+        </p:txBody>
+      </p:sp>
+      <p:sp>
+        <p:nvSpPr>
+          <p:cNvPr id="5" name="Espaço Reservado para Texto 4"/>
+          <p:cNvSpPr>
+            <a:spLocks noGrp="1"/>
+          </p:cNvSpPr>
+          <p:nvPr>
+            <p:ph type="body" idx="1"/>
+          </p:nvPr>
+        </p:nvSpPr>
+        <p:spPr/>
+        <p:txBody>
+          <a:bodyPr/>
+          <a:lstStyle/>
+          <a:p>
+            <a:endParaRPr lang="pt-BR"/>
+          </a:p>
+        </p:txBody>
+      </p:sp>
+    </p:spTree>
+    <p:extLst>
+      <p:ext uri="{BB962C8B-B14F-4D97-AF65-F5344CB8AC3E}">
+        <p14:creationId xmlns:p14="http://schemas.microsoft.com/office/powerpoint/2010/main" val="2640446153"/>
+      </p:ext>
+    </p:extLst>
+  </p:cSld>
+  <p:clrMapOvr>
+    <a:masterClrMapping/>
+  </p:clrMapOvr>
+  <p:timing>
+    <p:tnLst>
+      <p:par>
+        <p:cTn id="1" dur="indefinite" restart="never" nodeType="tmRoot"/>
+      </p:par>
+    </p:tnLst>
+  </p:timing>
+</p:sld>
+</file>
+
+<file path=ppt/slides/slide12.xml><?xml version="1.0" encoding="utf-8"?>
+<p:sld xmlns:a="http://schemas.openxmlformats.org/drawingml/2006/main" xmlns:r="http://schemas.openxmlformats.org/officeDocument/2006/relationships" xmlns:p="http://schemas.openxmlformats.org/presentationml/2006/main">
+  <p:cSld>
+    <p:spTree>
+      <p:nvGrpSpPr>
+        <p:cNvPr id="1" name=""/>
+        <p:cNvGrpSpPr/>
+        <p:nvPr/>
+      </p:nvGrpSpPr>
+      <p:grpSpPr>
+        <a:xfrm>
+          <a:off x="0" y="0"/>
+          <a:ext cx="0" cy="0"/>
+          <a:chOff x="0" y="0"/>
+          <a:chExt cx="0" cy="0"/>
+        </a:xfrm>
+      </p:grpSpPr>
+      <p:sp>
+        <p:nvSpPr>
+          <p:cNvPr id="4" name="Título 3"/>
+          <p:cNvSpPr>
+            <a:spLocks noGrp="1"/>
+          </p:cNvSpPr>
+          <p:nvPr>
+            <p:ph type="title"/>
+          </p:nvPr>
+        </p:nvSpPr>
+        <p:spPr/>
+        <p:txBody>
+          <a:bodyPr/>
+          <a:lstStyle/>
+          <a:p>
+            <a:r>
+              <a:rPr lang="pt-BR" dirty="0" smtClean="0"/>
+              <a:t>Detecção de Candidatos</a:t>
+            </a:r>
+            <a:endParaRPr lang="pt-BR" dirty="0"/>
+          </a:p>
+        </p:txBody>
+      </p:sp>
+      <mc:AlternateContent xmlns:mc="http://schemas.openxmlformats.org/markup-compatibility/2006">
+        <mc:Choice xmlns:a14="http://schemas.microsoft.com/office/drawing/2010/main" Requires="a14">
+          <p:sp>
+            <p:nvSpPr>
+              <p:cNvPr id="5" name="Espaço Reservado para Conteúdo 4"/>
+              <p:cNvSpPr>
+                <a:spLocks noGrp="1"/>
+              </p:cNvSpPr>
+              <p:nvPr>
+                <p:ph idx="1"/>
+              </p:nvPr>
+            </p:nvSpPr>
+            <p:spPr/>
+            <p:txBody>
+              <a:bodyPr/>
+              <a:lstStyle/>
+              <a:p>
+                <a:r>
+                  <a:rPr lang="pt-BR" dirty="0" smtClean="0"/>
+                  <a:t>Interseção de linhas</a:t>
+                </a:r>
+              </a:p>
+              <a:p>
+                <a:r>
+                  <a:rPr lang="pt-BR" dirty="0" smtClean="0"/>
+                  <a:t>Agrupamento K-Médias</a:t>
+                </a:r>
+              </a:p>
+              <a:p>
+                <a:pPr lvl="2"/>
+                <a14:m>
+                  <m:oMath xmlns:m="http://schemas.openxmlformats.org/officeDocument/2006/math">
+                    <m:sSub>
+                      <m:sSubPr>
+                        <m:ctrlPr>
+                          <a:rPr lang="pt-BR" i="1" smtClean="0">
+                            <a:latin typeface="Cambria Math"/>
+                          </a:rPr>
+                        </m:ctrlPr>
+                      </m:sSubPr>
+                      <m:e>
+                        <m:r>
+                          <a:rPr lang="pt-BR" b="0" i="1" smtClean="0">
+                            <a:latin typeface="Cambria Math"/>
+                          </a:rPr>
+                          <m:t>𝑁</m:t>
+                        </m:r>
+                      </m:e>
+                      <m:sub>
+                        <m:r>
+                          <a:rPr lang="pt-BR" b="0" i="1" smtClean="0">
+                            <a:latin typeface="Cambria Math"/>
+                          </a:rPr>
+                          <m:t>𝐶</m:t>
+                        </m:r>
+                      </m:sub>
+                    </m:sSub>
+                    <m:r>
+                      <a:rPr lang="pt-BR" b="0" i="1" smtClean="0">
+                        <a:latin typeface="Cambria Math"/>
+                      </a:rPr>
+                      <m:t>=</m:t>
+                    </m:r>
+                    <m:func>
+                      <m:funcPr>
+                        <m:ctrlPr>
+                          <a:rPr lang="pt-BR" b="0" i="1" smtClean="0">
+                            <a:latin typeface="Cambria Math"/>
+                          </a:rPr>
+                        </m:ctrlPr>
+                      </m:funcPr>
+                      <m:fName>
+                        <m:r>
+                          <m:rPr>
+                            <m:sty m:val="p"/>
+                          </m:rPr>
+                          <a:rPr lang="pt-BR" b="0" i="0" smtClean="0">
+                            <a:latin typeface="Cambria Math"/>
+                          </a:rPr>
+                          <m:t>max</m:t>
+                        </m:r>
+                      </m:fName>
+                      <m:e>
+                        <m:r>
+                          <a:rPr lang="pt-BR" b="0" i="1" smtClean="0">
+                            <a:latin typeface="Cambria Math"/>
+                          </a:rPr>
+                          <m:t>(</m:t>
+                        </m:r>
+                        <m:func>
+                          <m:funcPr>
+                            <m:ctrlPr>
+                              <a:rPr lang="pt-BR" b="0" i="1" smtClean="0">
+                                <a:latin typeface="Cambria Math"/>
+                              </a:rPr>
+                            </m:ctrlPr>
+                          </m:funcPr>
+                          <m:fName>
+                            <m:r>
+                              <m:rPr>
+                                <m:sty m:val="p"/>
+                              </m:rPr>
+                              <a:rPr lang="pt-BR" b="0" i="0" smtClean="0">
+                                <a:latin typeface="Cambria Math"/>
+                              </a:rPr>
+                              <m:t>ln</m:t>
+                            </m:r>
+                          </m:fName>
+                          <m:e>
+                            <m:sSub>
+                              <m:sSubPr>
+                                <m:ctrlPr>
+                                  <a:rPr lang="pt-BR" b="0" i="1" smtClean="0">
+                                    <a:latin typeface="Cambria Math"/>
+                                  </a:rPr>
+                                </m:ctrlPr>
+                              </m:sSubPr>
+                              <m:e>
+                                <m:r>
+                                  <a:rPr lang="pt-BR" b="0" i="1" smtClean="0">
+                                    <a:latin typeface="Cambria Math"/>
+                                  </a:rPr>
+                                  <m:t>(</m:t>
+                                </m:r>
+                                <m:r>
+                                  <a:rPr lang="pt-BR" b="0" i="1" smtClean="0">
+                                    <a:latin typeface="Cambria Math"/>
+                                  </a:rPr>
+                                  <m:t>𝑁</m:t>
+                                </m:r>
+                              </m:e>
+                              <m:sub>
+                                <m:r>
+                                  <a:rPr lang="pt-BR" b="0" i="1" smtClean="0">
+                                    <a:latin typeface="Cambria Math"/>
+                                  </a:rPr>
+                                  <m:t>𝑃</m:t>
+                                </m:r>
+                              </m:sub>
+                            </m:sSub>
+                            <m:r>
+                              <a:rPr lang="pt-BR" b="0" i="1" smtClean="0">
+                                <a:latin typeface="Cambria Math"/>
+                              </a:rPr>
+                              <m:t>)</m:t>
+                            </m:r>
+                          </m:e>
+                        </m:func>
+                        <m:r>
+                          <a:rPr lang="pt-BR" b="0" i="1" smtClean="0">
+                            <a:latin typeface="Cambria Math"/>
+                          </a:rPr>
+                          <m:t>, 10)</m:t>
+                        </m:r>
+                      </m:e>
+                    </m:func>
+                  </m:oMath>
+                </a14:m>
+                <a:endParaRPr lang="pt-BR" dirty="0" smtClean="0"/>
+              </a:p>
+              <a:p>
+                <a:pPr lvl="2"/>
+                <a:r>
+                  <a:rPr lang="pt-BR" dirty="0" smtClean="0"/>
+                  <a:t>Centroides são os pontos mais expressivos</a:t>
+                </a:r>
+              </a:p>
+            </p:txBody>
+          </p:sp>
+        </mc:Choice>
+        <mc:Fallback>
+          <p:sp>
+            <p:nvSpPr>
+              <p:cNvPr id="5" name="Espaço Reservado para Conteúdo 4"/>
+              <p:cNvSpPr>
+                <a:spLocks noGrp="1" noRot="1" noChangeAspect="1" noMove="1" noResize="1" noEditPoints="1" noAdjustHandles="1" noChangeArrowheads="1" noChangeShapeType="1" noTextEdit="1"/>
+              </p:cNvSpPr>
+              <p:nvPr>
+                <p:ph idx="1"/>
+              </p:nvPr>
+            </p:nvSpPr>
+            <p:spPr>
+              <a:blipFill rotWithShape="1">
+                <a:blip r:embed="rId2"/>
+                <a:stretch>
+                  <a:fillRect l="-616" t="-1054"/>
+                </a:stretch>
+              </a:blipFill>
+            </p:spPr>
+            <p:txBody>
+              <a:bodyPr/>
+              <a:lstStyle/>
+              <a:p>
+                <a:r>
+                  <a:rPr lang="pt-BR">
+                    <a:noFill/>
+                  </a:rPr>
+                  <a:t> </a:t>
+                </a:r>
+              </a:p>
+            </p:txBody>
+          </p:sp>
+        </mc:Fallback>
+      </mc:AlternateContent>
+    </p:spTree>
+    <p:extLst>
+      <p:ext uri="{BB962C8B-B14F-4D97-AF65-F5344CB8AC3E}">
+        <p14:creationId xmlns:p14="http://schemas.microsoft.com/office/powerpoint/2010/main" val="1183430194"/>
+      </p:ext>
+    </p:extLst>
+  </p:cSld>
+  <p:clrMapOvr>
+    <a:masterClrMapping/>
+  </p:clrMapOvr>
+  <p:timing>
+    <p:tnLst>
+      <p:par>
+        <p:cTn id="1" dur="indefinite" restart="never" nodeType="tmRoot"/>
+      </p:par>
+    </p:tnLst>
+  </p:timing>
+</p:sld>
+</file>
+
+<file path=ppt/slides/slide13.xml><?xml version="1.0" encoding="utf-8"?>
+<p:sld xmlns:a="http://schemas.openxmlformats.org/drawingml/2006/main" xmlns:r="http://schemas.openxmlformats.org/officeDocument/2006/relationships" xmlns:p="http://schemas.openxmlformats.org/presentationml/2006/main">
+  <p:cSld>
+    <p:spTree>
+      <p:nvGrpSpPr>
+        <p:cNvPr id="1" name=""/>
+        <p:cNvGrpSpPr/>
+        <p:nvPr/>
+      </p:nvGrpSpPr>
+      <p:grpSpPr>
+        <a:xfrm>
+          <a:off x="0" y="0"/>
+          <a:ext cx="0" cy="0"/>
+          <a:chOff x="0" y="0"/>
+          <a:chExt cx="0" cy="0"/>
+        </a:xfrm>
+      </p:grpSpPr>
+      <p:sp>
+        <p:nvSpPr>
+          <p:cNvPr id="4" name="Título 3"/>
+          <p:cNvSpPr>
+            <a:spLocks noGrp="1"/>
+          </p:cNvSpPr>
+          <p:nvPr>
+            <p:ph type="title"/>
+          </p:nvPr>
+        </p:nvSpPr>
+        <p:spPr/>
+        <p:txBody>
+          <a:bodyPr/>
+          <a:lstStyle/>
+          <a:p>
+            <a:r>
+              <a:rPr lang="pt-BR" dirty="0" smtClean="0"/>
+              <a:t>Abordagem Indireta</a:t>
+            </a:r>
+            <a:endParaRPr lang="pt-BR" dirty="0"/>
+          </a:p>
+        </p:txBody>
+      </p:sp>
+      <p:sp>
+        <p:nvSpPr>
+          <p:cNvPr id="5" name="Espaço Reservado para Conteúdo 4"/>
+          <p:cNvSpPr>
+            <a:spLocks noGrp="1"/>
+          </p:cNvSpPr>
+          <p:nvPr>
+            <p:ph idx="1"/>
+          </p:nvPr>
+        </p:nvSpPr>
+        <p:spPr/>
+        <p:txBody>
+          <a:bodyPr/>
+          <a:lstStyle/>
+          <a:p>
+            <a:r>
+              <a:rPr lang="pt-BR" dirty="0" smtClean="0"/>
+              <a:t>Baseada apenas nas informações dos pixels da imagem</a:t>
+            </a:r>
+          </a:p>
+          <a:p>
+            <a:r>
+              <a:rPr lang="pt-BR" dirty="0" smtClean="0"/>
+              <a:t>Utiliza as linhas reconhecidas para buscar candidatos a pontos de fuga</a:t>
+            </a:r>
+          </a:p>
+          <a:p>
+            <a:r>
+              <a:rPr lang="pt-BR" dirty="0" smtClean="0"/>
+              <a:t>Os centroides obtidos pelo agrupamento são considerados os candidatos a PF com a função de lucro:</a:t>
+            </a:r>
+          </a:p>
+          <a:p>
+            <a:endParaRPr lang="pt-BR" dirty="0" smtClean="0"/>
+          </a:p>
+        </p:txBody>
+      </p:sp>
+      <mc:AlternateContent xmlns:mc="http://schemas.openxmlformats.org/markup-compatibility/2006">
+        <mc:Choice xmlns:a14="http://schemas.microsoft.com/office/drawing/2010/main" Requires="a14">
+          <p:sp>
+            <p:nvSpPr>
+              <p:cNvPr id="7" name="CaixaDeTexto 6"/>
+              <p:cNvSpPr txBox="1"/>
+              <p:nvPr/>
+            </p:nvSpPr>
+            <p:spPr>
+              <a:xfrm>
+                <a:off x="3059832" y="4437112"/>
+                <a:ext cx="2933501" cy="963854"/>
+              </a:xfrm>
+              <a:prstGeom prst="rect">
+                <a:avLst/>
+              </a:prstGeom>
+              <a:noFill/>
+            </p:spPr>
+            <p:txBody>
+              <a:bodyPr wrap="square" rtlCol="0">
+                <a:spAutoFit/>
+              </a:bodyPr>
+              <a:lstStyle/>
+              <a:p>
+                <a14:m>
+                  <m:oMathPara xmlns:m="http://schemas.openxmlformats.org/officeDocument/2006/math">
+                    <m:oMathParaPr>
+                      <m:jc m:val="centerGroup"/>
+                    </m:oMathParaPr>
+                    <m:oMath xmlns:m="http://schemas.openxmlformats.org/officeDocument/2006/math">
+                      <m:sSub>
+                        <m:sSubPr>
+                          <m:ctrlPr>
+                            <a:rPr lang="pt-BR" sz="2000" b="1" i="1" smtClean="0">
+                              <a:solidFill>
+                                <a:schemeClr val="accent4">
+                                  <a:lumMod val="10000"/>
+                                </a:schemeClr>
+                              </a:solidFill>
+                              <a:latin typeface="Cambria Math"/>
+                            </a:rPr>
+                          </m:ctrlPr>
+                        </m:sSubPr>
+                        <m:e>
+                          <m:r>
+                            <a:rPr lang="pt-BR" sz="2000" b="1" i="1" smtClean="0">
+                              <a:solidFill>
+                                <a:schemeClr val="accent4">
+                                  <a:lumMod val="10000"/>
+                                </a:schemeClr>
+                              </a:solidFill>
+                              <a:latin typeface="Cambria Math"/>
+                            </a:rPr>
+                            <m:t>𝒇</m:t>
+                          </m:r>
+                        </m:e>
+                        <m:sub>
+                          <m:r>
+                            <a:rPr lang="pt-BR" sz="2000" b="1" i="1" smtClean="0">
+                              <a:solidFill>
+                                <a:schemeClr val="accent4">
+                                  <a:lumMod val="10000"/>
+                                </a:schemeClr>
+                              </a:solidFill>
+                              <a:latin typeface="Cambria Math"/>
+                            </a:rPr>
+                            <m:t>𝒊</m:t>
+                          </m:r>
+                        </m:sub>
+                      </m:sSub>
+                      <m:r>
+                        <a:rPr lang="pt-BR" sz="2000" b="1" i="1" smtClean="0">
+                          <a:solidFill>
+                            <a:schemeClr val="accent4">
+                              <a:lumMod val="10000"/>
+                            </a:schemeClr>
+                          </a:solidFill>
+                          <a:latin typeface="Cambria Math"/>
+                        </a:rPr>
+                        <m:t> </m:t>
+                      </m:r>
+                      <m:d>
+                        <m:dPr>
+                          <m:ctrlPr>
+                            <a:rPr lang="pt-BR" sz="2000" b="1" i="1" smtClean="0">
+                              <a:solidFill>
+                                <a:schemeClr val="accent4">
+                                  <a:lumMod val="10000"/>
+                                </a:schemeClr>
+                              </a:solidFill>
+                              <a:latin typeface="Cambria Math"/>
+                            </a:rPr>
+                          </m:ctrlPr>
+                        </m:dPr>
+                        <m:e>
+                          <m:sSub>
+                            <m:sSubPr>
+                              <m:ctrlPr>
+                                <a:rPr lang="pt-BR" sz="2000" b="1" i="1" smtClean="0">
+                                  <a:solidFill>
+                                    <a:schemeClr val="accent4">
+                                      <a:lumMod val="10000"/>
+                                    </a:schemeClr>
+                                  </a:solidFill>
+                                  <a:latin typeface="Cambria Math"/>
+                                </a:rPr>
+                              </m:ctrlPr>
+                            </m:sSubPr>
+                            <m:e>
+                              <m:r>
+                                <a:rPr lang="pt-BR" sz="2000" b="1" i="1" smtClean="0">
+                                  <a:solidFill>
+                                    <a:schemeClr val="accent4">
+                                      <a:lumMod val="10000"/>
+                                    </a:schemeClr>
+                                  </a:solidFill>
+                                  <a:latin typeface="Cambria Math"/>
+                                </a:rPr>
+                                <m:t>𝒙</m:t>
+                              </m:r>
+                            </m:e>
+                            <m:sub>
+                              <m:r>
+                                <a:rPr lang="pt-BR" sz="2000" b="1" i="1" smtClean="0">
+                                  <a:solidFill>
+                                    <a:schemeClr val="accent4">
+                                      <a:lumMod val="10000"/>
+                                    </a:schemeClr>
+                                  </a:solidFill>
+                                  <a:latin typeface="Cambria Math"/>
+                                </a:rPr>
+                                <m:t>𝒊</m:t>
+                              </m:r>
+                            </m:sub>
+                          </m:sSub>
+                          <m:r>
+                            <a:rPr lang="pt-BR" sz="2000" b="1" i="1" smtClean="0">
+                              <a:solidFill>
+                                <a:schemeClr val="accent4">
+                                  <a:lumMod val="10000"/>
+                                </a:schemeClr>
+                              </a:solidFill>
+                              <a:latin typeface="Cambria Math"/>
+                            </a:rPr>
+                            <m:t>,</m:t>
+                          </m:r>
+                          <m:sSub>
+                            <m:sSubPr>
+                              <m:ctrlPr>
+                                <a:rPr lang="pt-BR" sz="2000" b="1" i="1" smtClean="0">
+                                  <a:solidFill>
+                                    <a:schemeClr val="accent4">
+                                      <a:lumMod val="10000"/>
+                                    </a:schemeClr>
+                                  </a:solidFill>
+                                  <a:latin typeface="Cambria Math"/>
+                                </a:rPr>
+                              </m:ctrlPr>
+                            </m:sSubPr>
+                            <m:e>
+                              <m:r>
+                                <a:rPr lang="pt-BR" sz="2000" b="1" i="1" smtClean="0">
+                                  <a:solidFill>
+                                    <a:schemeClr val="accent4">
+                                      <a:lumMod val="10000"/>
+                                    </a:schemeClr>
+                                  </a:solidFill>
+                                  <a:latin typeface="Cambria Math"/>
+                                </a:rPr>
+                                <m:t>𝒚</m:t>
+                              </m:r>
+                            </m:e>
+                            <m:sub>
+                              <m:r>
+                                <a:rPr lang="pt-BR" sz="2000" b="1" i="1" smtClean="0">
+                                  <a:solidFill>
+                                    <a:schemeClr val="accent4">
+                                      <a:lumMod val="10000"/>
+                                    </a:schemeClr>
+                                  </a:solidFill>
+                                  <a:latin typeface="Cambria Math"/>
+                                </a:rPr>
+                                <m:t>𝒊</m:t>
+                              </m:r>
+                            </m:sub>
+                          </m:sSub>
+                        </m:e>
+                      </m:d>
+                      <m:r>
+                        <a:rPr lang="pt-BR" sz="2000" b="1" i="1" smtClean="0">
+                          <a:solidFill>
+                            <a:schemeClr val="accent4">
+                              <a:lumMod val="10000"/>
+                            </a:schemeClr>
+                          </a:solidFill>
+                          <a:latin typeface="Cambria Math"/>
+                        </a:rPr>
+                        <m:t>=</m:t>
+                      </m:r>
+                      <m:sSub>
+                        <m:sSubPr>
+                          <m:ctrlPr>
+                            <a:rPr lang="pt-BR" sz="2000" b="1" i="1" smtClean="0">
+                              <a:solidFill>
+                                <a:schemeClr val="accent4">
+                                  <a:lumMod val="10000"/>
+                                </a:schemeClr>
+                              </a:solidFill>
+                              <a:latin typeface="Cambria Math"/>
+                            </a:rPr>
+                          </m:ctrlPr>
+                        </m:sSubPr>
+                        <m:e>
+                          <m:r>
+                            <a:rPr lang="pt-BR" sz="2000" b="1" i="1" smtClean="0">
+                              <a:solidFill>
+                                <a:schemeClr val="accent4">
+                                  <a:lumMod val="10000"/>
+                                </a:schemeClr>
+                              </a:solidFill>
+                              <a:latin typeface="Cambria Math"/>
+                            </a:rPr>
+                            <m:t>𝑵</m:t>
+                          </m:r>
+                        </m:e>
+                        <m:sub>
+                          <m:r>
+                            <a:rPr lang="pt-BR" sz="2000" b="1" i="1" smtClean="0">
+                              <a:solidFill>
+                                <a:schemeClr val="accent4">
+                                  <a:lumMod val="10000"/>
+                                </a:schemeClr>
+                              </a:solidFill>
+                              <a:latin typeface="Cambria Math"/>
+                            </a:rPr>
+                            <m:t>𝒊</m:t>
+                          </m:r>
+                        </m:sub>
+                      </m:sSub>
+                      <m:r>
+                        <a:rPr lang="pt-BR" sz="2000" b="1" i="1" smtClean="0">
+                          <a:solidFill>
+                            <a:schemeClr val="accent4">
+                              <a:lumMod val="10000"/>
+                            </a:schemeClr>
+                          </a:solidFill>
+                          <a:latin typeface="Cambria Math"/>
+                        </a:rPr>
+                        <m:t>/</m:t>
+                      </m:r>
+                      <m:nary>
+                        <m:naryPr>
+                          <m:chr m:val="∑"/>
+                          <m:ctrlPr>
+                            <a:rPr lang="pt-BR" sz="2000" b="1" i="1" smtClean="0">
+                              <a:solidFill>
+                                <a:schemeClr val="accent4">
+                                  <a:lumMod val="10000"/>
+                                </a:schemeClr>
+                              </a:solidFill>
+                              <a:latin typeface="Cambria Math"/>
+                            </a:rPr>
+                          </m:ctrlPr>
+                        </m:naryPr>
+                        <m:sub>
+                          <m:r>
+                            <a:rPr lang="pt-BR" sz="2000" b="1" i="1" smtClean="0">
+                              <a:solidFill>
+                                <a:schemeClr val="accent4">
+                                  <a:lumMod val="10000"/>
+                                </a:schemeClr>
+                              </a:solidFill>
+                              <a:latin typeface="Cambria Math"/>
+                            </a:rPr>
+                            <m:t>𝒌</m:t>
+                          </m:r>
+                        </m:sub>
+                        <m:sup>
+                          <m:sSub>
+                            <m:sSubPr>
+                              <m:ctrlPr>
+                                <a:rPr lang="pt-BR" sz="2000" b="1" i="1" smtClean="0">
+                                  <a:solidFill>
+                                    <a:schemeClr val="accent4">
+                                      <a:lumMod val="10000"/>
+                                    </a:schemeClr>
+                                  </a:solidFill>
+                                  <a:latin typeface="Cambria Math"/>
+                                </a:rPr>
+                              </m:ctrlPr>
+                            </m:sSubPr>
+                            <m:e>
+                              <m:r>
+                                <a:rPr lang="pt-BR" sz="2000" b="1" i="1" smtClean="0">
+                                  <a:solidFill>
+                                    <a:schemeClr val="accent4">
+                                      <a:lumMod val="10000"/>
+                                    </a:schemeClr>
+                                  </a:solidFill>
+                                  <a:latin typeface="Cambria Math"/>
+                                </a:rPr>
+                                <m:t>𝑵</m:t>
+                              </m:r>
+                            </m:e>
+                            <m:sub>
+                              <m:r>
+                                <a:rPr lang="pt-BR" sz="2000" b="1" i="1" smtClean="0">
+                                  <a:solidFill>
+                                    <a:schemeClr val="accent4">
+                                      <a:lumMod val="10000"/>
+                                    </a:schemeClr>
+                                  </a:solidFill>
+                                  <a:latin typeface="Cambria Math"/>
+                                </a:rPr>
+                                <m:t>𝑪</m:t>
+                              </m:r>
+                            </m:sub>
+                          </m:sSub>
+                        </m:sup>
+                        <m:e>
+                          <m:sSub>
+                            <m:sSubPr>
+                              <m:ctrlPr>
+                                <a:rPr lang="pt-BR" sz="2000" b="1" i="1" smtClean="0">
+                                  <a:solidFill>
+                                    <a:schemeClr val="accent4">
+                                      <a:lumMod val="10000"/>
+                                    </a:schemeClr>
+                                  </a:solidFill>
+                                  <a:latin typeface="Cambria Math"/>
+                                </a:rPr>
+                              </m:ctrlPr>
+                            </m:sSubPr>
+                            <m:e>
+                              <m:r>
+                                <a:rPr lang="pt-BR" sz="2000" b="1" i="1" smtClean="0">
+                                  <a:solidFill>
+                                    <a:schemeClr val="accent4">
+                                      <a:lumMod val="10000"/>
+                                    </a:schemeClr>
+                                  </a:solidFill>
+                                  <a:latin typeface="Cambria Math"/>
+                                </a:rPr>
+                                <m:t>𝑵</m:t>
+                              </m:r>
+                            </m:e>
+                            <m:sub>
+                              <m:r>
+                                <a:rPr lang="pt-BR" sz="2000" b="1" i="1" smtClean="0">
+                                  <a:solidFill>
+                                    <a:schemeClr val="accent4">
+                                      <a:lumMod val="10000"/>
+                                    </a:schemeClr>
+                                  </a:solidFill>
+                                  <a:latin typeface="Cambria Math"/>
+                                </a:rPr>
+                                <m:t>𝒌</m:t>
+                              </m:r>
+                            </m:sub>
+                          </m:sSub>
+                        </m:e>
+                      </m:nary>
+                    </m:oMath>
+                  </m:oMathPara>
+                </a14:m>
+                <a:endParaRPr lang="pt-BR" sz="2000" dirty="0">
+                  <a:solidFill>
+                    <a:schemeClr val="accent4">
+                      <a:lumMod val="10000"/>
+                    </a:schemeClr>
+                  </a:solidFill>
+                </a:endParaRPr>
+              </a:p>
+            </p:txBody>
+          </p:sp>
+        </mc:Choice>
+        <mc:Fallback>
+          <p:sp>
+            <p:nvSpPr>
+              <p:cNvPr id="7" name="CaixaDeTexto 6"/>
+              <p:cNvSpPr txBox="1">
+                <a:spLocks noRot="1" noChangeAspect="1" noMove="1" noResize="1" noEditPoints="1" noAdjustHandles="1" noChangeArrowheads="1" noChangeShapeType="1" noTextEdit="1"/>
+              </p:cNvSpPr>
+              <p:nvPr/>
+            </p:nvSpPr>
+            <p:spPr>
+              <a:xfrm>
+                <a:off x="3059832" y="4437112"/>
+                <a:ext cx="2933501" cy="963854"/>
+              </a:xfrm>
+              <a:prstGeom prst="rect">
+                <a:avLst/>
+              </a:prstGeom>
+              <a:blipFill rotWithShape="1">
+                <a:blip r:embed="rId2"/>
+                <a:stretch>
+                  <a:fillRect/>
+                </a:stretch>
+              </a:blipFill>
+            </p:spPr>
+            <p:txBody>
+              <a:bodyPr/>
+              <a:lstStyle/>
+              <a:p>
+                <a:r>
+                  <a:rPr lang="pt-BR">
+                    <a:noFill/>
+                  </a:rPr>
+                  <a:t> </a:t>
+                </a:r>
+              </a:p>
+            </p:txBody>
+          </p:sp>
+        </mc:Fallback>
+      </mc:AlternateContent>
+    </p:spTree>
+    <p:extLst>
+      <p:ext uri="{BB962C8B-B14F-4D97-AF65-F5344CB8AC3E}">
+        <p14:creationId xmlns:p14="http://schemas.microsoft.com/office/powerpoint/2010/main" val="110032311"/>
+      </p:ext>
+    </p:extLst>
+  </p:cSld>
+  <p:clrMapOvr>
+    <a:masterClrMapping/>
+  </p:clrMapOvr>
+  <p:timing>
+    <p:tnLst>
+      <p:par>
+        <p:cTn id="1" dur="indefinite" restart="never" nodeType="tmRoot"/>
+      </p:par>
+    </p:tnLst>
+  </p:timing>
+</p:sld>
+</file>
+
+<file path=ppt/slides/slide14.xml><?xml version="1.0" encoding="utf-8"?>
+<p:sld xmlns:a="http://schemas.openxmlformats.org/drawingml/2006/main" xmlns:r="http://schemas.openxmlformats.org/officeDocument/2006/relationships" xmlns:p="http://schemas.openxmlformats.org/presentationml/2006/main">
+  <p:cSld>
+    <p:spTree>
+      <p:nvGrpSpPr>
+        <p:cNvPr id="1" name=""/>
+        <p:cNvGrpSpPr/>
+        <p:nvPr/>
+      </p:nvGrpSpPr>
+      <p:grpSpPr>
+        <a:xfrm>
+          <a:off x="0" y="0"/>
+          <a:ext cx="0" cy="0"/>
+          <a:chOff x="0" y="0"/>
+          <a:chExt cx="0" cy="0"/>
+        </a:xfrm>
+      </p:grpSpPr>
+      <p:sp>
+        <p:nvSpPr>
+          <p:cNvPr id="2" name="Título 1"/>
+          <p:cNvSpPr>
+            <a:spLocks noGrp="1"/>
+          </p:cNvSpPr>
+          <p:nvPr>
+            <p:ph type="title"/>
+          </p:nvPr>
+        </p:nvSpPr>
+        <p:spPr/>
+        <p:txBody>
+          <a:bodyPr/>
+          <a:lstStyle/>
+          <a:p>
+            <a:r>
+              <a:rPr lang="pt-BR" dirty="0" smtClean="0"/>
+              <a:t>Abordagem Direta</a:t>
+            </a:r>
+            <a:endParaRPr lang="pt-BR" dirty="0"/>
+          </a:p>
+        </p:txBody>
+      </p:sp>
+      <p:sp>
+        <p:nvSpPr>
+          <p:cNvPr id="3" name="Espaço Reservado para Conteúdo 2"/>
+          <p:cNvSpPr>
+            <a:spLocks noGrp="1"/>
+          </p:cNvSpPr>
+          <p:nvPr>
+            <p:ph idx="1"/>
+          </p:nvPr>
+        </p:nvSpPr>
+        <p:spPr/>
+        <p:txBody>
+          <a:bodyPr/>
+          <a:lstStyle/>
+          <a:p>
+            <a:endParaRPr lang="pt-BR"/>
+          </a:p>
+        </p:txBody>
+      </p:sp>
+    </p:spTree>
+    <p:extLst>
+      <p:ext uri="{BB962C8B-B14F-4D97-AF65-F5344CB8AC3E}">
+        <p14:creationId xmlns:p14="http://schemas.microsoft.com/office/powerpoint/2010/main" val="2017906650"/>
+      </p:ext>
+    </p:extLst>
+  </p:cSld>
+  <p:clrMapOvr>
+    <a:masterClrMapping/>
+  </p:clrMapOvr>
+  <p:timing>
+    <p:tnLst>
+      <p:par>
+        <p:cTn id="1" dur="indefinite" restart="never" nodeType="tmRoot"/>
+      </p:par>
+    </p:tnLst>
+  </p:timing>
+</p:sld>
+</file>
+
+<file path=ppt/slides/slide15.xml><?xml version="1.0" encoding="utf-8"?>
+<p:sld xmlns:a="http://schemas.openxmlformats.org/drawingml/2006/main" xmlns:r="http://schemas.openxmlformats.org/officeDocument/2006/relationships" xmlns:p="http://schemas.openxmlformats.org/presentationml/2006/main">
+  <p:cSld>
+    <p:spTree>
+      <p:nvGrpSpPr>
+        <p:cNvPr id="1" name=""/>
+        <p:cNvGrpSpPr/>
+        <p:nvPr/>
+      </p:nvGrpSpPr>
+      <p:grpSpPr>
+        <a:xfrm>
+          <a:off x="0" y="0"/>
+          <a:ext cx="0" cy="0"/>
+          <a:chOff x="0" y="0"/>
+          <a:chExt cx="0" cy="0"/>
+        </a:xfrm>
+      </p:grpSpPr>
+      <p:sp>
+        <p:nvSpPr>
+          <p:cNvPr id="2" name="Título 1"/>
+          <p:cNvSpPr>
+            <a:spLocks noGrp="1"/>
+          </p:cNvSpPr>
+          <p:nvPr>
+            <p:ph type="title"/>
+          </p:nvPr>
+        </p:nvSpPr>
+        <p:spPr/>
+        <p:txBody>
+          <a:bodyPr/>
+          <a:lstStyle/>
+          <a:p>
+            <a:r>
+              <a:rPr lang="pt-BR" dirty="0" smtClean="0"/>
+              <a:t>Combinação</a:t>
+            </a:r>
+            <a:endParaRPr lang="pt-BR" dirty="0"/>
+          </a:p>
+        </p:txBody>
+      </p:sp>
+      <p:sp>
+        <p:nvSpPr>
+          <p:cNvPr id="3" name="Espaço Reservado para Conteúdo 2"/>
+          <p:cNvSpPr>
+            <a:spLocks noGrp="1"/>
+          </p:cNvSpPr>
+          <p:nvPr>
+            <p:ph idx="1"/>
+          </p:nvPr>
+        </p:nvSpPr>
+        <p:spPr/>
+        <p:txBody>
+          <a:bodyPr/>
+          <a:lstStyle/>
+          <a:p>
+            <a:r>
+              <a:rPr lang="pt-BR" dirty="0" smtClean="0"/>
+              <a:t>Os candidatos obtidos pelas abordagens anteriores são combinados a fim de obter resultados mais precisos</a:t>
+            </a:r>
+          </a:p>
+          <a:p>
+            <a:r>
+              <a:rPr lang="pt-BR" dirty="0" smtClean="0"/>
+              <a:t>É escolhido o PF com melhor combinação</a:t>
+            </a:r>
+            <a:endParaRPr lang="pt-BR" dirty="0"/>
+          </a:p>
+        </p:txBody>
+      </p:sp>
+    </p:spTree>
+    <p:extLst>
+      <p:ext uri="{BB962C8B-B14F-4D97-AF65-F5344CB8AC3E}">
+        <p14:creationId xmlns:p14="http://schemas.microsoft.com/office/powerpoint/2010/main" val="4029364965"/>
+      </p:ext>
+    </p:extLst>
+  </p:cSld>
+  <p:clrMapOvr>
+    <a:masterClrMapping/>
+  </p:clrMapOvr>
+  <p:timing>
+    <p:tnLst>
+      <p:par>
+        <p:cTn id="1" dur="indefinite" restart="never" nodeType="tmRoot"/>
+      </p:par>
+    </p:tnLst>
+  </p:timing>
+</p:sld>
+</file>
+
+<file path=ppt/slides/slide16.xml><?xml version="1.0" encoding="utf-8"?>
+<p:sld xmlns:a="http://schemas.openxmlformats.org/drawingml/2006/main" xmlns:r="http://schemas.openxmlformats.org/officeDocument/2006/relationships" xmlns:p="http://schemas.openxmlformats.org/presentationml/2006/main">
+  <p:cSld>
+    <p:spTree>
+      <p:nvGrpSpPr>
+        <p:cNvPr id="1" name=""/>
+        <p:cNvGrpSpPr/>
+        <p:nvPr/>
+      </p:nvGrpSpPr>
+      <p:grpSpPr>
+        <a:xfrm>
+          <a:off x="0" y="0"/>
+          <a:ext cx="0" cy="0"/>
+          <a:chOff x="0" y="0"/>
+          <a:chExt cx="0" cy="0"/>
+        </a:xfrm>
+      </p:grpSpPr>
+      <p:sp>
+        <p:nvSpPr>
+          <p:cNvPr id="4" name="Título 3"/>
+          <p:cNvSpPr>
+            <a:spLocks noGrp="1"/>
+          </p:cNvSpPr>
+          <p:nvPr>
+            <p:ph type="title"/>
+          </p:nvPr>
+        </p:nvSpPr>
+        <p:spPr/>
+        <p:txBody>
+          <a:bodyPr/>
+          <a:lstStyle/>
+          <a:p>
+            <a:r>
+              <a:rPr lang="pt-BR" dirty="0" smtClean="0"/>
+              <a:t>Transformação de retificação</a:t>
+            </a:r>
+            <a:endParaRPr lang="pt-BR" dirty="0"/>
+          </a:p>
+        </p:txBody>
+      </p:sp>
+      <p:sp>
+        <p:nvSpPr>
+          <p:cNvPr id="5" name="Espaço Reservado para Texto 4"/>
+          <p:cNvSpPr>
+            <a:spLocks noGrp="1"/>
+          </p:cNvSpPr>
+          <p:nvPr>
+            <p:ph type="body" idx="1"/>
+          </p:nvPr>
+        </p:nvSpPr>
+        <p:spPr/>
+        <p:txBody>
+          <a:bodyPr/>
+          <a:lstStyle/>
+          <a:p>
+            <a:endParaRPr lang="pt-BR"/>
+          </a:p>
+        </p:txBody>
+      </p:sp>
+    </p:spTree>
+    <p:extLst>
+      <p:ext uri="{BB962C8B-B14F-4D97-AF65-F5344CB8AC3E}">
+        <p14:creationId xmlns:p14="http://schemas.microsoft.com/office/powerpoint/2010/main" val="3240611514"/>
+      </p:ext>
+    </p:extLst>
+  </p:cSld>
+  <p:clrMapOvr>
+    <a:masterClrMapping/>
+  </p:clrMapOvr>
+  <p:timing>
+    <p:tnLst>
+      <p:par>
+        <p:cTn id="1" dur="indefinite" restart="never" nodeType="tmRoot"/>
+      </p:par>
+    </p:tnLst>
+  </p:timing>
+</p:sld>
+</file>
+
+<file path=ppt/slides/slide17.xml><?xml version="1.0" encoding="utf-8"?>
+<p:sld xmlns:a="http://schemas.openxmlformats.org/drawingml/2006/main" xmlns:r="http://schemas.openxmlformats.org/officeDocument/2006/relationships" xmlns:p="http://schemas.openxmlformats.org/presentationml/2006/main">
+  <p:cSld>
+    <p:spTree>
+      <p:nvGrpSpPr>
+        <p:cNvPr id="1" name=""/>
+        <p:cNvGrpSpPr/>
+        <p:nvPr/>
+      </p:nvGrpSpPr>
+      <p:grpSpPr>
+        <a:xfrm>
+          <a:off x="0" y="0"/>
+          <a:ext cx="0" cy="0"/>
+          <a:chOff x="0" y="0"/>
+          <a:chExt cx="0" cy="0"/>
+        </a:xfrm>
+      </p:grpSpPr>
+      <p:sp>
+        <p:nvSpPr>
+          <p:cNvPr id="4" name="Título 3"/>
+          <p:cNvSpPr>
+            <a:spLocks noGrp="1"/>
+          </p:cNvSpPr>
+          <p:nvPr>
+            <p:ph type="title"/>
+          </p:nvPr>
+        </p:nvSpPr>
+        <p:spPr/>
+        <p:txBody>
+          <a:bodyPr/>
+          <a:lstStyle/>
+          <a:p>
+            <a:r>
+              <a:rPr lang="pt-BR" dirty="0" smtClean="0"/>
+              <a:t>Transformação de Retificação</a:t>
+            </a:r>
+            <a:endParaRPr lang="pt-BR" dirty="0"/>
+          </a:p>
+        </p:txBody>
+      </p:sp>
+      <p:sp>
+        <p:nvSpPr>
+          <p:cNvPr id="5" name="Espaço Reservado para Conteúdo 4"/>
+          <p:cNvSpPr>
+            <a:spLocks noGrp="1"/>
+          </p:cNvSpPr>
+          <p:nvPr>
+            <p:ph idx="1"/>
+          </p:nvPr>
+        </p:nvSpPr>
+        <p:spPr/>
+        <p:txBody>
+          <a:bodyPr/>
+          <a:lstStyle/>
+          <a:p>
+            <a:endParaRPr lang="pt-BR" dirty="0"/>
+          </a:p>
+        </p:txBody>
+      </p:sp>
+      <mc:AlternateContent xmlns:mc="http://schemas.openxmlformats.org/markup-compatibility/2006">
+        <mc:Choice xmlns:a14="http://schemas.microsoft.com/office/drawing/2010/main" Requires="a14">
+          <p:sp>
+            <p:nvSpPr>
+              <p:cNvPr id="6" name="CaixaDeTexto 5"/>
+              <p:cNvSpPr txBox="1"/>
+              <p:nvPr/>
+            </p:nvSpPr>
+            <p:spPr>
+              <a:xfrm>
+                <a:off x="1403648" y="2726053"/>
+                <a:ext cx="1345240" cy="846963"/>
+              </a:xfrm>
+              <a:prstGeom prst="rect">
+                <a:avLst/>
+              </a:prstGeom>
+              <a:noFill/>
+            </p:spPr>
+            <p:txBody>
+              <a:bodyPr wrap="none" rtlCol="0">
+                <a:spAutoFit/>
+              </a:bodyPr>
+              <a:lstStyle/>
+              <a:p>
+                <a14:m>
+                  <m:oMathPara xmlns:m="http://schemas.openxmlformats.org/officeDocument/2006/math">
+                    <m:oMathParaPr>
+                      <m:jc m:val="centerGroup"/>
+                    </m:oMathParaPr>
+                    <m:oMath xmlns:m="http://schemas.openxmlformats.org/officeDocument/2006/math">
+                      <m:m>
+                        <m:mPr>
+                          <m:mcs>
+                            <m:mc>
+                              <m:mcPr>
+                                <m:count m:val="3"/>
+                                <m:mcJc m:val="center"/>
+                              </m:mcPr>
+                            </m:mc>
+                          </m:mcs>
+                          <m:ctrlPr>
+                            <a:rPr lang="pt-BR" i="1" smtClean="0">
+                              <a:solidFill>
+                                <a:schemeClr val="accent4">
+                                  <a:lumMod val="10000"/>
+                                </a:schemeClr>
+                              </a:solidFill>
+                              <a:latin typeface="Cambria Math"/>
+                            </a:rPr>
+                          </m:ctrlPr>
+                        </m:mPr>
+                        <m:mr>
+                          <m:e/>
+                          <m:e/>
+                          <m:e/>
+                        </m:mr>
+                        <m:mr>
+                          <m:e/>
+                          <m:e/>
+                          <m:e/>
+                        </m:mr>
+                        <m:mr>
+                          <m:e/>
+                          <m:e/>
+                          <m:e/>
+                        </m:mr>
+                      </m:m>
+                    </m:oMath>
+                  </m:oMathPara>
+                </a14:m>
+                <a:endParaRPr lang="pt-BR" dirty="0">
+                  <a:solidFill>
+                    <a:schemeClr val="accent4">
+                      <a:lumMod val="10000"/>
+                    </a:schemeClr>
+                  </a:solidFill>
+                </a:endParaRPr>
+              </a:p>
+            </p:txBody>
+          </p:sp>
+        </mc:Choice>
+        <mc:Fallback>
+          <p:sp>
+            <p:nvSpPr>
+              <p:cNvPr id="6" name="CaixaDeTexto 5"/>
+              <p:cNvSpPr txBox="1">
+                <a:spLocks noRot="1" noChangeAspect="1" noMove="1" noResize="1" noEditPoints="1" noAdjustHandles="1" noChangeArrowheads="1" noChangeShapeType="1" noTextEdit="1"/>
+              </p:cNvSpPr>
+              <p:nvPr/>
+            </p:nvSpPr>
+            <p:spPr>
+              <a:xfrm>
+                <a:off x="1403648" y="2726053"/>
+                <a:ext cx="1345240" cy="846963"/>
+              </a:xfrm>
+              <a:prstGeom prst="rect">
+                <a:avLst/>
+              </a:prstGeom>
+              <a:blipFill rotWithShape="1">
+                <a:blip r:embed="rId2"/>
+                <a:stretch>
+                  <a:fillRect/>
+                </a:stretch>
+              </a:blipFill>
+            </p:spPr>
+            <p:txBody>
+              <a:bodyPr/>
+              <a:lstStyle/>
+              <a:p>
+                <a:r>
+                  <a:rPr lang="pt-BR">
+                    <a:noFill/>
+                  </a:rPr>
+                  <a:t> </a:t>
+                </a:r>
+              </a:p>
+            </p:txBody>
+          </p:sp>
+        </mc:Fallback>
+      </mc:AlternateContent>
+    </p:spTree>
+    <p:extLst>
+      <p:ext uri="{BB962C8B-B14F-4D97-AF65-F5344CB8AC3E}">
+        <p14:creationId xmlns:p14="http://schemas.microsoft.com/office/powerpoint/2010/main" val="1870067524"/>
+      </p:ext>
+    </p:extLst>
+  </p:cSld>
+  <p:clrMapOvr>
+    <a:masterClrMapping/>
+  </p:clrMapOvr>
+  <p:timing>
+    <p:tnLst>
+      <p:par>
+        <p:cTn id="1" dur="indefinite" restart="never" nodeType="tmRoot"/>
+      </p:par>
+    </p:tnLst>
+  </p:timing>
+</p:sld>
+</file>
+
 <file path=ppt/slides/slide2.xml><?xml version="1.0" encoding="utf-8"?>
 <p:sld xmlns:a="http://schemas.openxmlformats.org/drawingml/2006/main" xmlns:r="http://schemas.openxmlformats.org/officeDocument/2006/relationships" xmlns:p="http://schemas.openxmlformats.org/presentationml/2006/main">
   <p:cSld>
@@ -2662,12 +4187,6 @@
         <p:txBody>
           <a:bodyPr/>
           <a:lstStyle/>
-          <a:p>
-            <a:r>
-              <a:rPr lang="pt-BR" dirty="0" smtClean="0"/>
-              <a:t>Motivação </a:t>
-            </a:r>
-          </a:p>
           <a:p>
             <a:r>
               <a:rPr lang="pt-BR" dirty="0" smtClean="0"/>
@@ -2767,7 +4286,7 @@
           <a:p>
             <a:r>
               <a:rPr lang="pt-BR" dirty="0" smtClean="0"/>
-              <a:t>Motivação</a:t>
+              <a:t>Introdução</a:t>
             </a:r>
             <a:endParaRPr lang="pt-BR" dirty="0"/>
           </a:p>
@@ -3262,9 +4781,73 @@
           <a:chExt cx="0" cy="0"/>
         </a:xfrm>
       </p:grpSpPr>
+      <p:pic>
+        <p:nvPicPr>
+          <p:cNvPr id="4" name="Picture 5"/>
+          <p:cNvPicPr>
+            <a:picLocks noChangeAspect="1" noChangeArrowheads="1"/>
+          </p:cNvPicPr>
+          <p:nvPr/>
+        </p:nvPicPr>
+        <p:blipFill>
+          <a:blip r:embed="rId2">
+            <a:extLst>
+              <a:ext uri="{28A0092B-C50C-407E-A947-70E740481C1C}">
+                <a14:useLocalDpi xmlns:a14="http://schemas.microsoft.com/office/drawing/2010/main" val="0"/>
+              </a:ext>
+            </a:extLst>
+          </a:blip>
+          <a:srcRect/>
+          <a:stretch>
+            <a:fillRect/>
+          </a:stretch>
+        </p:blipFill>
+        <p:spPr bwMode="auto">
+          <a:xfrm>
+            <a:off x="1979711" y="3519432"/>
+            <a:ext cx="4536505" cy="2558425"/>
+          </a:xfrm>
+          <a:prstGeom prst="rect">
+            <a:avLst/>
+          </a:prstGeom>
+          <a:noFill/>
+          <a:ln>
+            <a:noFill/>
+          </a:ln>
+          <a:effectLst/>
+          <a:extLst>
+            <a:ext uri="{909E8E84-426E-40DD-AFC4-6F175D3DCCD1}">
+              <a14:hiddenFill xmlns:a14="http://schemas.microsoft.com/office/drawing/2010/main">
+                <a:solidFill>
+                  <a:schemeClr val="accent1"/>
+                </a:solidFill>
+              </a14:hiddenFill>
+            </a:ext>
+            <a:ext uri="{91240B29-F687-4F45-9708-019B960494DF}">
+              <a14:hiddenLine xmlns:a14="http://schemas.microsoft.com/office/drawing/2010/main" w="9525">
+                <a:solidFill>
+                  <a:schemeClr val="tx1"/>
+                </a:solidFill>
+                <a:miter lim="800000"/>
+                <a:headEnd/>
+                <a:tailEnd/>
+              </a14:hiddenLine>
+            </a:ext>
+            <a:ext uri="{AF507438-7753-43E0-B8FC-AC1667EBCBE1}">
+              <a14:hiddenEffects xmlns:a14="http://schemas.microsoft.com/office/drawing/2010/main">
+                <a:effectLst>
+                  <a:outerShdw dist="35921" dir="2700000" algn="ctr" rotWithShape="0">
+                    <a:schemeClr val="bg2"/>
+                  </a:outerShdw>
+                </a:effectLst>
+              </a14:hiddenEffects>
+            </a:ext>
+          </a:extLst>
+        </p:spPr>
+      </p:pic>
       <p:sp>
         <p:nvSpPr>
-          <p:cNvPr id="4" name="Título 3"/>
+          <p:cNvPr id="2" name="Título 1"/>
           <p:cNvSpPr>
             <a:spLocks noGrp="1"/>
           </p:cNvSpPr>
@@ -3279,7 +4862,7 @@
           <a:p>
             <a:r>
               <a:rPr lang="pt-BR" dirty="0" smtClean="0"/>
-              <a:t>Introdução</a:t>
+              <a:t>Objetivo</a:t>
             </a:r>
             <a:endParaRPr lang="pt-BR" dirty="0"/>
           </a:p>
@@ -3287,12 +4870,12 @@
       </p:sp>
       <p:sp>
         <p:nvSpPr>
-          <p:cNvPr id="5" name="Espaço Reservado para Texto 4"/>
+          <p:cNvPr id="3" name="Espaço Reservado para Conteúdo 2"/>
           <p:cNvSpPr>
             <a:spLocks noGrp="1"/>
           </p:cNvSpPr>
           <p:nvPr>
-            <p:ph type="body" idx="1"/>
+            <p:ph idx="1"/>
           </p:nvPr>
         </p:nvSpPr>
         <p:spPr/>
@@ -3300,14 +4883,24 @@
           <a:bodyPr/>
           <a:lstStyle/>
           <a:p>
-            <a:endParaRPr lang="pt-BR"/>
+            <a:r>
+              <a:rPr lang="pt-BR" dirty="0" smtClean="0"/>
+              <a:t>O objetivo é encontrar os parâmetros para uma transformação de retificação</a:t>
+            </a:r>
+          </a:p>
+          <a:p>
+            <a:r>
+              <a:rPr lang="pt-BR" dirty="0" smtClean="0"/>
+              <a:t>Isso é feito usando conceitos geométricos de pontos de fuga (PF)</a:t>
+            </a:r>
+            <a:endParaRPr lang="pt-BR" dirty="0"/>
           </a:p>
         </p:txBody>
       </p:sp>
     </p:spTree>
     <p:extLst>
       <p:ext uri="{BB962C8B-B14F-4D97-AF65-F5344CB8AC3E}">
-        <p14:creationId xmlns:p14="http://schemas.microsoft.com/office/powerpoint/2010/main" val="3868444822"/>
+        <p14:creationId xmlns:p14="http://schemas.microsoft.com/office/powerpoint/2010/main" val="1411608329"/>
       </p:ext>
     </p:extLst>
   </p:cSld>
@@ -3343,7 +4936,7 @@
       </p:grpSpPr>
       <p:sp>
         <p:nvSpPr>
-          <p:cNvPr id="2" name="Título 1"/>
+          <p:cNvPr id="5" name="Título 4"/>
           <p:cNvSpPr>
             <a:spLocks noGrp="1"/>
           </p:cNvSpPr>
@@ -3358,7 +4951,7 @@
           <a:p>
             <a:r>
               <a:rPr lang="pt-BR" dirty="0" smtClean="0"/>
-              <a:t>Objetivo</a:t>
+              <a:t>Metodologia</a:t>
             </a:r>
             <a:endParaRPr lang="pt-BR" dirty="0"/>
           </a:p>
@@ -3366,7 +4959,7 @@
       </p:sp>
       <p:sp>
         <p:nvSpPr>
-          <p:cNvPr id="3" name="Espaço Reservado para Conteúdo 2"/>
+          <p:cNvPr id="6" name="Espaço Reservado para Conteúdo 5"/>
           <p:cNvSpPr>
             <a:spLocks noGrp="1"/>
           </p:cNvSpPr>
@@ -3381,28 +4974,76 @@
           <a:p>
             <a:r>
               <a:rPr lang="pt-BR" dirty="0" smtClean="0"/>
-              <a:t>O objetivo é encontrar os parâmetros para uma transformação de retificação</a:t>
-            </a:r>
-          </a:p>
-          <a:p>
-            <a:r>
-              <a:rPr lang="pt-BR" dirty="0" smtClean="0"/>
-              <a:t>É necessário encontrar automaticamente a distorção sofrida pelos objetos da imagem</a:t>
-            </a:r>
-          </a:p>
-          <a:p>
-            <a:r>
-              <a:rPr lang="pt-BR" dirty="0" smtClean="0"/>
-              <a:t>Isso é feito usando conceitos geométricos de pontos de fuga</a:t>
-            </a:r>
-            <a:endParaRPr lang="pt-BR" dirty="0"/>
+              <a:t>Abordagem híbrida para obtenção dos pontos de fuga</a:t>
+            </a:r>
+          </a:p>
+          <a:p>
+            <a:pPr lvl="1"/>
+            <a:r>
+              <a:rPr lang="pt-BR" dirty="0" smtClean="0"/>
+              <a:t>Direta</a:t>
+            </a:r>
+          </a:p>
+          <a:p>
+            <a:pPr lvl="1"/>
+            <a:r>
+              <a:rPr lang="pt-BR" dirty="0" smtClean="0"/>
+              <a:t>Indireta</a:t>
+            </a:r>
+          </a:p>
+          <a:p>
+            <a:r>
+              <a:rPr lang="pt-BR" dirty="0" smtClean="0"/>
+              <a:t>Experimentos</a:t>
+            </a:r>
           </a:p>
         </p:txBody>
       </p:sp>
+      <p:pic>
+        <p:nvPicPr>
+          <p:cNvPr id="6146" name="Picture 2" descr="https://lh3.googleusercontent.com/fe5fmHWKlvkV8TisXH720ut0D7YAwgv540Zry3Mbzi5IN7zgM4w9uWZa478E_h2xJSEEYVtBPRCcYHnzUlaMv8cRR5UxzRt3z4xtFEApuLAcMPUoTK4"/>
+          <p:cNvPicPr>
+            <a:picLocks noChangeAspect="1" noChangeArrowheads="1"/>
+          </p:cNvPicPr>
+          <p:nvPr/>
+        </p:nvPicPr>
+        <p:blipFill>
+          <a:blip r:embed="rId2">
+            <a:extLst>
+              <a:ext uri="{28A0092B-C50C-407E-A947-70E740481C1C}">
+                <a14:useLocalDpi xmlns:a14="http://schemas.microsoft.com/office/drawing/2010/main" val="0"/>
+              </a:ext>
+            </a:extLst>
+          </a:blip>
+          <a:srcRect/>
+          <a:stretch>
+            <a:fillRect/>
+          </a:stretch>
+        </p:blipFill>
+        <p:spPr bwMode="auto">
+          <a:xfrm>
+            <a:off x="1835696" y="3762350"/>
+            <a:ext cx="5895975" cy="1571626"/>
+          </a:xfrm>
+          <a:prstGeom prst="rect">
+            <a:avLst/>
+          </a:prstGeom>
+          <a:noFill/>
+          <a:extLst>
+            <a:ext uri="{909E8E84-426E-40DD-AFC4-6F175D3DCCD1}">
+              <a14:hiddenFill xmlns:a14="http://schemas.microsoft.com/office/drawing/2010/main">
+                <a:solidFill>
+                  <a:srgbClr val="FFFFFF"/>
+                </a:solidFill>
+              </a14:hiddenFill>
+            </a:ext>
+          </a:extLst>
+        </p:spPr>
+      </p:pic>
     </p:spTree>
     <p:extLst>
       <p:ext uri="{BB962C8B-B14F-4D97-AF65-F5344CB8AC3E}">
-        <p14:creationId xmlns:p14="http://schemas.microsoft.com/office/powerpoint/2010/main" val="1411608329"/>
+        <p14:creationId xmlns:p14="http://schemas.microsoft.com/office/powerpoint/2010/main" val="1681680664"/>
       </p:ext>
     </p:extLst>
   </p:cSld>
@@ -3438,6 +5079,85 @@
       </p:grpSpPr>
       <p:sp>
         <p:nvSpPr>
+          <p:cNvPr id="4" name="Título 3"/>
+          <p:cNvSpPr>
+            <a:spLocks noGrp="1"/>
+          </p:cNvSpPr>
+          <p:nvPr>
+            <p:ph type="title"/>
+          </p:nvPr>
+        </p:nvSpPr>
+        <p:spPr/>
+        <p:txBody>
+          <a:bodyPr/>
+          <a:lstStyle/>
+          <a:p>
+            <a:r>
+              <a:rPr lang="pt-BR" dirty="0" smtClean="0"/>
+              <a:t>Visão Geral</a:t>
+            </a:r>
+            <a:endParaRPr lang="pt-BR" dirty="0"/>
+          </a:p>
+        </p:txBody>
+      </p:sp>
+      <p:sp>
+        <p:nvSpPr>
+          <p:cNvPr id="5" name="Espaço Reservado para Texto 4"/>
+          <p:cNvSpPr>
+            <a:spLocks noGrp="1"/>
+          </p:cNvSpPr>
+          <p:nvPr>
+            <p:ph type="body" idx="1"/>
+          </p:nvPr>
+        </p:nvSpPr>
+        <p:spPr/>
+        <p:txBody>
+          <a:bodyPr/>
+          <a:lstStyle/>
+          <a:p>
+            <a:endParaRPr lang="pt-BR"/>
+          </a:p>
+        </p:txBody>
+      </p:sp>
+    </p:spTree>
+    <p:extLst>
+      <p:ext uri="{BB962C8B-B14F-4D97-AF65-F5344CB8AC3E}">
+        <p14:creationId xmlns:p14="http://schemas.microsoft.com/office/powerpoint/2010/main" val="3436535638"/>
+      </p:ext>
+    </p:extLst>
+  </p:cSld>
+  <p:clrMapOvr>
+    <a:masterClrMapping/>
+  </p:clrMapOvr>
+  <p:timing>
+    <p:tnLst>
+      <p:par>
+        <p:cTn id="1" dur="indefinite" restart="never" nodeType="tmRoot"/>
+      </p:par>
+    </p:tnLst>
+  </p:timing>
+</p:sld>
+</file>
+
+<file path=ppt/slides/slide9.xml><?xml version="1.0" encoding="utf-8"?>
+<p:sld xmlns:a="http://schemas.openxmlformats.org/drawingml/2006/main" xmlns:r="http://schemas.openxmlformats.org/officeDocument/2006/relationships" xmlns:p="http://schemas.openxmlformats.org/presentationml/2006/main">
+  <p:cSld>
+    <p:spTree>
+      <p:nvGrpSpPr>
+        <p:cNvPr id="1" name=""/>
+        <p:cNvGrpSpPr/>
+        <p:nvPr/>
+      </p:nvGrpSpPr>
+      <p:grpSpPr>
+        <a:xfrm>
+          <a:off x="0" y="0"/>
+          <a:ext cx="0" cy="0"/>
+          <a:chOff x="0" y="0"/>
+          <a:chExt cx="0" cy="0"/>
+        </a:xfrm>
+      </p:grpSpPr>
+      <p:sp>
+        <p:nvSpPr>
           <p:cNvPr id="2" name="Título 1"/>
           <p:cNvSpPr>
             <a:spLocks noGrp="1"/>
@@ -3453,30 +5173,7 @@
           <a:p>
             <a:r>
               <a:rPr lang="pt-BR" dirty="0" smtClean="0"/>
-              <a:t>Pontos de fuga</a:t>
-            </a:r>
-            <a:endParaRPr lang="pt-BR" dirty="0"/>
-          </a:p>
-        </p:txBody>
-      </p:sp>
-      <p:sp>
-        <p:nvSpPr>
-          <p:cNvPr id="5" name="Espaço Reservado para Texto 4"/>
-          <p:cNvSpPr>
-            <a:spLocks noGrp="1"/>
-          </p:cNvSpPr>
-          <p:nvPr>
-            <p:ph type="body" sz="half" idx="2"/>
-          </p:nvPr>
-        </p:nvSpPr>
-        <p:spPr/>
-        <p:txBody>
-          <a:bodyPr/>
-          <a:lstStyle/>
-          <a:p>
-            <a:r>
-              <a:rPr lang="pt-BR" dirty="0" smtClean="0"/>
-              <a:t>Pontos de fuga obtidos a partir de um plano na foto.</a:t>
+              <a:t>Visão Geral</a:t>
             </a:r>
             <a:endParaRPr lang="pt-BR" dirty="0"/>
           </a:p>
@@ -3484,7 +5181,7 @@
       </p:sp>
       <p:pic>
         <p:nvPicPr>
-          <p:cNvPr id="5125" name="Picture 5"/>
+          <p:cNvPr id="8196" name="Picture 4"/>
           <p:cNvPicPr>
             <a:picLocks noChangeAspect="1" noChangeArrowheads="1"/>
           </p:cNvPicPr>
@@ -3505,8 +5202,8 @@
         </p:blipFill>
         <p:spPr bwMode="auto">
           <a:xfrm>
-            <a:off x="1907703" y="1484784"/>
-            <a:ext cx="5286375" cy="2981325"/>
+            <a:off x="2557463" y="1443038"/>
+            <a:ext cx="4029075" cy="3971925"/>
           </a:xfrm>
           <a:prstGeom prst="rect">
             <a:avLst/>
@@ -3549,7 +5246,7 @@
     </p:spTree>
     <p:extLst>
       <p:ext uri="{BB962C8B-B14F-4D97-AF65-F5344CB8AC3E}">
-        <p14:creationId xmlns:p14="http://schemas.microsoft.com/office/powerpoint/2010/main" val="1364372493"/>
+        <p14:creationId xmlns:p14="http://schemas.microsoft.com/office/powerpoint/2010/main" val="207974400"/>
       </p:ext>
     </p:extLst>
   </p:cSld>

--- a/doc/pres.pptx
+++ b/doc/pres.pptx
@@ -2951,8 +2951,8 @@
           </a:p>
         </p:txBody>
       </p:sp>
-      <mc:AlternateContent xmlns:mc="http://schemas.openxmlformats.org/markup-compatibility/2006">
-        <mc:Choice xmlns:a14="http://schemas.microsoft.com/office/drawing/2010/main" Requires="a14">
+      <mc:AlternateContent xmlns:mc="http://schemas.openxmlformats.org/markup-compatibility/2006" xmlns:a14="http://schemas.microsoft.com/office/drawing/2010/main">
+        <mc:Choice Requires="a14">
           <p:sp>
             <p:nvSpPr>
               <p:cNvPr id="5" name="Espaço Reservado para Conteúdo 4"/>
@@ -3121,7 +3121,7 @@
             </p:txBody>
           </p:sp>
         </mc:Choice>
-        <mc:Fallback>
+        <mc:Fallback xmlns="">
           <p:sp>
             <p:nvSpPr>
               <p:cNvPr id="5" name="Espaço Reservado para Conteúdo 4"/>
@@ -3252,8 +3252,8 @@
           </a:p>
         </p:txBody>
       </p:sp>
-      <mc:AlternateContent xmlns:mc="http://schemas.openxmlformats.org/markup-compatibility/2006">
-        <mc:Choice xmlns:a14="http://schemas.microsoft.com/office/drawing/2010/main" Requires="a14">
+      <mc:AlternateContent xmlns:mc="http://schemas.openxmlformats.org/markup-compatibility/2006" xmlns:a14="http://schemas.microsoft.com/office/drawing/2010/main">
+        <mc:Choice Requires="a14">
           <p:sp>
             <p:nvSpPr>
               <p:cNvPr id="7" name="CaixaDeTexto 6"/>
@@ -3276,6 +3276,7 @@
               </a:bodyPr>
               <a:lstStyle/>
               <a:p>
+                <a:pPr/>
                 <a14:m>
                   <m:oMathPara xmlns:m="http://schemas.openxmlformats.org/officeDocument/2006/math">
                     <m:oMathParaPr>
@@ -3628,7 +3629,7 @@
             </p:txBody>
           </p:sp>
         </mc:Choice>
-        <mc:Fallback>
+        <mc:Fallback xmlns="">
           <p:sp>
             <p:nvSpPr>
               <p:cNvPr id="7" name="CaixaDeTexto 6"/>
@@ -3951,6 +3952,70 @@
           <a:chExt cx="0" cy="0"/>
         </a:xfrm>
       </p:grpSpPr>
+      <p:pic>
+        <p:nvPicPr>
+          <p:cNvPr id="1026" name="Picture 2"/>
+          <p:cNvPicPr>
+            <a:picLocks noChangeAspect="1" noChangeArrowheads="1"/>
+          </p:cNvPicPr>
+          <p:nvPr/>
+        </p:nvPicPr>
+        <p:blipFill>
+          <a:blip r:embed="rId2">
+            <a:extLst>
+              <a:ext uri="{28A0092B-C50C-407E-A947-70E740481C1C}">
+                <a14:useLocalDpi xmlns:a14="http://schemas.microsoft.com/office/drawing/2010/main" val="0"/>
+              </a:ext>
+            </a:extLst>
+          </a:blip>
+          <a:srcRect/>
+          <a:stretch>
+            <a:fillRect/>
+          </a:stretch>
+        </p:blipFill>
+        <p:spPr bwMode="auto">
+          <a:xfrm>
+            <a:off x="2227362" y="3933056"/>
+            <a:ext cx="4536504" cy="2118402"/>
+          </a:xfrm>
+          <a:prstGeom prst="rect">
+            <a:avLst/>
+          </a:prstGeom>
+          <a:noFill/>
+          <a:ln>
+            <a:noFill/>
+          </a:ln>
+          <a:effectLst/>
+          <a:extLst>
+            <a:ext uri="{909E8E84-426E-40DD-AFC4-6F175D3DCCD1}">
+              <a14:hiddenFill xmlns:a14="http://schemas.microsoft.com/office/drawing/2010/main">
+                <a:solidFill>
+                  <a:schemeClr val="accent1"/>
+                </a:solidFill>
+              </a14:hiddenFill>
+            </a:ext>
+            <a:ext uri="{91240B29-F687-4F45-9708-019B960494DF}">
+              <a14:hiddenLine xmlns:a14="http://schemas.microsoft.com/office/drawing/2010/main" w="9525">
+                <a:solidFill>
+                  <a:schemeClr val="tx1"/>
+                </a:solidFill>
+                <a:miter lim="800000"/>
+                <a:headEnd/>
+                <a:tailEnd/>
+              </a14:hiddenLine>
+            </a:ext>
+            <a:ext uri="{AF507438-7753-43E0-B8FC-AC1667EBCBE1}">
+              <a14:hiddenEffects xmlns:a14="http://schemas.microsoft.com/office/drawing/2010/main">
+                <a:effectLst>
+                  <a:outerShdw dist="35921" dir="2700000" algn="ctr" rotWithShape="0">
+                    <a:schemeClr val="bg2"/>
+                  </a:outerShdw>
+                </a:effectLst>
+              </a14:hiddenEffects>
+            </a:ext>
+          </a:extLst>
+        </p:spPr>
+      </p:pic>
       <p:sp>
         <p:nvSpPr>
           <p:cNvPr id="4" name="Título 3"/>
@@ -3984,11 +4049,39 @@
             <p:ph idx="1"/>
           </p:nvPr>
         </p:nvSpPr>
-        <p:spPr/>
+        <p:spPr>
+          <a:xfrm>
+            <a:off x="757238" y="1700213"/>
+            <a:ext cx="7631186" cy="2736899"/>
+          </a:xfrm>
+        </p:spPr>
         <p:txBody>
           <a:bodyPr/>
           <a:lstStyle/>
           <a:p>
+            <a:r>
+              <a:rPr lang="pt-BR" dirty="0" smtClean="0"/>
+              <a:t>Relação de transformação</a:t>
+            </a:r>
+          </a:p>
+          <a:p>
+            <a:endParaRPr lang="pt-BR" dirty="0"/>
+          </a:p>
+          <a:p>
+            <a:endParaRPr lang="pt-BR" dirty="0" smtClean="0"/>
+          </a:p>
+          <a:p>
+            <a:endParaRPr lang="pt-BR" dirty="0"/>
+          </a:p>
+          <a:p>
+            <a:r>
+              <a:rPr lang="pt-BR" dirty="0" err="1" smtClean="0"/>
+              <a:t>Quadrangulo</a:t>
+            </a:r>
+            <a:r>
+              <a:rPr lang="pt-BR" dirty="0" smtClean="0"/>
+              <a:t> convexo</a:t>
+            </a:r>
             <a:endParaRPr lang="pt-BR" dirty="0"/>
           </a:p>
         </p:txBody>
@@ -4003,8 +4096,8 @@
             </p:nvSpPr>
             <p:spPr>
               <a:xfrm>
-                <a:off x="1403648" y="2726053"/>
-                <a:ext cx="1345240" cy="846963"/>
+                <a:off x="2915816" y="2204864"/>
+                <a:ext cx="3340017" cy="832792"/>
               </a:xfrm>
               <a:prstGeom prst="rect">
                 <a:avLst/>
@@ -4017,22 +4110,17 @@
               </a:bodyPr>
               <a:lstStyle/>
               <a:p>
+                <a:pPr/>
                 <a14:m>
                   <m:oMathPara xmlns:m="http://schemas.openxmlformats.org/officeDocument/2006/math">
                     <m:oMathParaPr>
                       <m:jc m:val="centerGroup"/>
                     </m:oMathParaPr>
                     <m:oMath xmlns:m="http://schemas.openxmlformats.org/officeDocument/2006/math">
-                      <m:m>
-                        <m:mPr>
-                          <m:mcs>
-                            <m:mc>
-                              <m:mcPr>
-                                <m:count m:val="3"/>
-                                <m:mcJc m:val="center"/>
-                              </m:mcPr>
-                            </m:mc>
-                          </m:mcs>
+                      <m:d>
+                        <m:dPr>
+                          <m:begChr m:val="["/>
+                          <m:endChr m:val="]"/>
                           <m:ctrlPr>
                             <a:rPr lang="pt-BR" i="1" smtClean="0">
                               <a:solidFill>
@@ -4043,23 +4131,684 @@
                               <a:latin typeface="Cambria Math"/>
                             </a:rPr>
                           </m:ctrlPr>
-                        </m:mPr>
-                        <m:mr>
-                          <m:e/>
-                          <m:e/>
-                          <m:e/>
-                        </m:mr>
-                        <m:mr>
-                          <m:e/>
-                          <m:e/>
-                          <m:e/>
-                        </m:mr>
-                        <m:mr>
-                          <m:e/>
-                          <m:e/>
-                          <m:e/>
-                        </m:mr>
-                      </m:m>
+                        </m:dPr>
+                        <m:e>
+                          <m:m>
+                            <m:mPr>
+                              <m:mcs>
+                                <m:mc>
+                                  <m:mcPr>
+                                    <m:count m:val="1"/>
+                                    <m:mcJc m:val="center"/>
+                                  </m:mcPr>
+                                </m:mc>
+                              </m:mcs>
+                              <m:ctrlPr>
+                                <a:rPr lang="pt-BR" i="1" smtClean="0">
+                                  <a:solidFill>
+                                    <a:schemeClr val="accent4">
+                                      <a:lumMod val="10000"/>
+                                    </a:schemeClr>
+                                  </a:solidFill>
+                                  <a:latin typeface="Cambria Math"/>
+                                </a:rPr>
+                              </m:ctrlPr>
+                            </m:mPr>
+                            <m:mr>
+                              <m:e>
+                                <m:sSub>
+                                  <m:sSubPr>
+                                    <m:ctrlPr>
+                                      <a:rPr lang="pt-BR" i="1" smtClean="0">
+                                        <a:solidFill>
+                                          <a:schemeClr val="accent4">
+                                            <a:lumMod val="10000"/>
+                                          </a:schemeClr>
+                                        </a:solidFill>
+                                        <a:latin typeface="Cambria Math"/>
+                                      </a:rPr>
+                                    </m:ctrlPr>
+                                  </m:sSubPr>
+                                  <m:e>
+                                    <m:r>
+                                      <a:rPr lang="pt-BR" b="0" i="1" smtClean="0">
+                                        <a:solidFill>
+                                          <a:schemeClr val="accent4">
+                                            <a:lumMod val="10000"/>
+                                          </a:schemeClr>
+                                        </a:solidFill>
+                                        <a:latin typeface="Cambria Math"/>
+                                      </a:rPr>
+                                      <m:t>𝑥</m:t>
+                                    </m:r>
+                                  </m:e>
+                                  <m:sub>
+                                    <m:r>
+                                      <a:rPr lang="pt-BR" b="0" i="1" smtClean="0">
+                                        <a:solidFill>
+                                          <a:schemeClr val="accent4">
+                                            <a:lumMod val="10000"/>
+                                          </a:schemeClr>
+                                        </a:solidFill>
+                                        <a:latin typeface="Cambria Math"/>
+                                      </a:rPr>
+                                      <m:t>𝑑</m:t>
+                                    </m:r>
+                                  </m:sub>
+                                </m:sSub>
+                              </m:e>
+                            </m:mr>
+                            <m:mr>
+                              <m:e>
+                                <m:sSub>
+                                  <m:sSubPr>
+                                    <m:ctrlPr>
+                                      <a:rPr lang="pt-BR" i="1" smtClean="0">
+                                        <a:solidFill>
+                                          <a:schemeClr val="accent4">
+                                            <a:lumMod val="10000"/>
+                                          </a:schemeClr>
+                                        </a:solidFill>
+                                        <a:latin typeface="Cambria Math"/>
+                                      </a:rPr>
+                                    </m:ctrlPr>
+                                  </m:sSubPr>
+                                  <m:e>
+                                    <m:r>
+                                      <a:rPr lang="pt-BR" b="0" i="1" smtClean="0">
+                                        <a:solidFill>
+                                          <a:schemeClr val="accent4">
+                                            <a:lumMod val="10000"/>
+                                          </a:schemeClr>
+                                        </a:solidFill>
+                                        <a:latin typeface="Cambria Math"/>
+                                      </a:rPr>
+                                      <m:t>𝑦</m:t>
+                                    </m:r>
+                                  </m:e>
+                                  <m:sub>
+                                    <m:r>
+                                      <a:rPr lang="pt-BR" b="0" i="1" smtClean="0">
+                                        <a:solidFill>
+                                          <a:schemeClr val="accent4">
+                                            <a:lumMod val="10000"/>
+                                          </a:schemeClr>
+                                        </a:solidFill>
+                                        <a:latin typeface="Cambria Math"/>
+                                      </a:rPr>
+                                      <m:t>𝑑</m:t>
+                                    </m:r>
+                                  </m:sub>
+                                </m:sSub>
+                              </m:e>
+                            </m:mr>
+                            <m:mr>
+                              <m:e>
+                                <m:r>
+                                  <a:rPr lang="pt-BR" b="0" i="1" smtClean="0">
+                                    <a:solidFill>
+                                      <a:schemeClr val="accent4">
+                                        <a:lumMod val="10000"/>
+                                      </a:schemeClr>
+                                    </a:solidFill>
+                                    <a:latin typeface="Cambria Math"/>
+                                  </a:rPr>
+                                  <m:t>1</m:t>
+                                </m:r>
+                              </m:e>
+                            </m:mr>
+                          </m:m>
+                        </m:e>
+                      </m:d>
+                      <m:r>
+                        <a:rPr lang="pt-BR" b="0" i="1" smtClean="0">
+                          <a:solidFill>
+                            <a:schemeClr val="accent4">
+                              <a:lumMod val="10000"/>
+                            </a:schemeClr>
+                          </a:solidFill>
+                          <a:latin typeface="Cambria Math"/>
+                        </a:rPr>
+                        <m:t>=</m:t>
+                      </m:r>
+                      <m:d>
+                        <m:dPr>
+                          <m:begChr m:val="["/>
+                          <m:endChr m:val="]"/>
+                          <m:ctrlPr>
+                            <a:rPr lang="pt-BR" i="1" smtClean="0">
+                              <a:solidFill>
+                                <a:schemeClr val="accent4">
+                                  <a:lumMod val="10000"/>
+                                </a:schemeClr>
+                              </a:solidFill>
+                              <a:latin typeface="Cambria Math"/>
+                            </a:rPr>
+                          </m:ctrlPr>
+                        </m:dPr>
+                        <m:e>
+                          <m:m>
+                            <m:mPr>
+                              <m:mcs>
+                                <m:mc>
+                                  <m:mcPr>
+                                    <m:count m:val="3"/>
+                                    <m:mcJc m:val="center"/>
+                                  </m:mcPr>
+                                </m:mc>
+                              </m:mcs>
+                              <m:ctrlPr>
+                                <a:rPr lang="pt-BR" i="1">
+                                  <a:solidFill>
+                                    <a:schemeClr val="accent4">
+                                      <a:lumMod val="10000"/>
+                                    </a:schemeClr>
+                                  </a:solidFill>
+                                  <a:latin typeface="Cambria Math"/>
+                                </a:rPr>
+                              </m:ctrlPr>
+                            </m:mPr>
+                            <m:mr>
+                              <m:e>
+                                <m:sSub>
+                                  <m:sSubPr>
+                                    <m:ctrlPr>
+                                      <a:rPr lang="pt-BR" i="1" smtClean="0">
+                                        <a:solidFill>
+                                          <a:schemeClr val="accent4">
+                                            <a:lumMod val="10000"/>
+                                          </a:schemeClr>
+                                        </a:solidFill>
+                                        <a:latin typeface="Cambria Math"/>
+                                      </a:rPr>
+                                    </m:ctrlPr>
+                                  </m:sSubPr>
+                                  <m:e>
+                                    <m:r>
+                                      <a:rPr lang="pt-BR" b="0" i="1" smtClean="0">
+                                        <a:solidFill>
+                                          <a:schemeClr val="accent4">
+                                            <a:lumMod val="10000"/>
+                                          </a:schemeClr>
+                                        </a:solidFill>
+                                        <a:latin typeface="Cambria Math"/>
+                                      </a:rPr>
+                                      <m:t>𝑚</m:t>
+                                    </m:r>
+                                  </m:e>
+                                  <m:sub>
+                                    <m:r>
+                                      <a:rPr lang="pt-BR" b="0" i="1" smtClean="0">
+                                        <a:solidFill>
+                                          <a:schemeClr val="accent4">
+                                            <a:lumMod val="10000"/>
+                                          </a:schemeClr>
+                                        </a:solidFill>
+                                        <a:latin typeface="Cambria Math"/>
+                                      </a:rPr>
+                                      <m:t>11</m:t>
+                                    </m:r>
+                                  </m:sub>
+                                </m:sSub>
+                              </m:e>
+                              <m:e>
+                                <m:sSub>
+                                  <m:sSubPr>
+                                    <m:ctrlPr>
+                                      <a:rPr lang="pt-BR" i="1" smtClean="0">
+                                        <a:solidFill>
+                                          <a:schemeClr val="accent4">
+                                            <a:lumMod val="10000"/>
+                                          </a:schemeClr>
+                                        </a:solidFill>
+                                        <a:latin typeface="Cambria Math"/>
+                                      </a:rPr>
+                                    </m:ctrlPr>
+                                  </m:sSubPr>
+                                  <m:e>
+                                    <m:r>
+                                      <a:rPr lang="pt-BR" b="0" i="1" smtClean="0">
+                                        <a:solidFill>
+                                          <a:schemeClr val="accent4">
+                                            <a:lumMod val="10000"/>
+                                          </a:schemeClr>
+                                        </a:solidFill>
+                                        <a:latin typeface="Cambria Math"/>
+                                      </a:rPr>
+                                      <m:t>𝑚</m:t>
+                                    </m:r>
+                                  </m:e>
+                                  <m:sub>
+                                    <m:r>
+                                      <a:rPr lang="pt-BR" b="0" i="1" smtClean="0">
+                                        <a:solidFill>
+                                          <a:schemeClr val="accent4">
+                                            <a:lumMod val="10000"/>
+                                          </a:schemeClr>
+                                        </a:solidFill>
+                                        <a:latin typeface="Cambria Math"/>
+                                      </a:rPr>
+                                      <m:t>12</m:t>
+                                    </m:r>
+                                  </m:sub>
+                                </m:sSub>
+                              </m:e>
+                              <m:e>
+                                <m:sSub>
+                                  <m:sSubPr>
+                                    <m:ctrlPr>
+                                      <a:rPr lang="pt-BR" i="1" smtClean="0">
+                                        <a:solidFill>
+                                          <a:schemeClr val="accent4">
+                                            <a:lumMod val="10000"/>
+                                          </a:schemeClr>
+                                        </a:solidFill>
+                                        <a:latin typeface="Cambria Math"/>
+                                      </a:rPr>
+                                    </m:ctrlPr>
+                                  </m:sSubPr>
+                                  <m:e>
+                                    <m:r>
+                                      <a:rPr lang="pt-BR" b="0" i="1" smtClean="0">
+                                        <a:solidFill>
+                                          <a:schemeClr val="accent4">
+                                            <a:lumMod val="10000"/>
+                                          </a:schemeClr>
+                                        </a:solidFill>
+                                        <a:latin typeface="Cambria Math"/>
+                                      </a:rPr>
+                                      <m:t>𝑚</m:t>
+                                    </m:r>
+                                  </m:e>
+                                  <m:sub>
+                                    <m:r>
+                                      <a:rPr lang="pt-BR" b="0" i="1" smtClean="0">
+                                        <a:solidFill>
+                                          <a:schemeClr val="accent4">
+                                            <a:lumMod val="10000"/>
+                                          </a:schemeClr>
+                                        </a:solidFill>
+                                        <a:latin typeface="Cambria Math"/>
+                                      </a:rPr>
+                                      <m:t>13</m:t>
+                                    </m:r>
+                                  </m:sub>
+                                </m:sSub>
+                              </m:e>
+                            </m:mr>
+                            <m:mr>
+                              <m:e>
+                                <m:sSub>
+                                  <m:sSubPr>
+                                    <m:ctrlPr>
+                                      <a:rPr lang="pt-BR" i="1" smtClean="0">
+                                        <a:solidFill>
+                                          <a:schemeClr val="accent4">
+                                            <a:lumMod val="10000"/>
+                                          </a:schemeClr>
+                                        </a:solidFill>
+                                        <a:latin typeface="Cambria Math"/>
+                                      </a:rPr>
+                                    </m:ctrlPr>
+                                  </m:sSubPr>
+                                  <m:e>
+                                    <m:r>
+                                      <a:rPr lang="pt-BR" b="0" i="1" smtClean="0">
+                                        <a:solidFill>
+                                          <a:schemeClr val="accent4">
+                                            <a:lumMod val="10000"/>
+                                          </a:schemeClr>
+                                        </a:solidFill>
+                                        <a:latin typeface="Cambria Math"/>
+                                      </a:rPr>
+                                      <m:t>𝑚</m:t>
+                                    </m:r>
+                                  </m:e>
+                                  <m:sub>
+                                    <m:r>
+                                      <a:rPr lang="pt-BR" b="0" i="1" smtClean="0">
+                                        <a:solidFill>
+                                          <a:schemeClr val="accent4">
+                                            <a:lumMod val="10000"/>
+                                          </a:schemeClr>
+                                        </a:solidFill>
+                                        <a:latin typeface="Cambria Math"/>
+                                      </a:rPr>
+                                      <m:t>21</m:t>
+                                    </m:r>
+                                  </m:sub>
+                                </m:sSub>
+                              </m:e>
+                              <m:e>
+                                <m:sSub>
+                                  <m:sSubPr>
+                                    <m:ctrlPr>
+                                      <a:rPr lang="pt-BR" i="1" smtClean="0">
+                                        <a:solidFill>
+                                          <a:schemeClr val="accent4">
+                                            <a:lumMod val="10000"/>
+                                          </a:schemeClr>
+                                        </a:solidFill>
+                                        <a:latin typeface="Cambria Math"/>
+                                      </a:rPr>
+                                    </m:ctrlPr>
+                                  </m:sSubPr>
+                                  <m:e>
+                                    <m:r>
+                                      <a:rPr lang="pt-BR" b="0" i="1" smtClean="0">
+                                        <a:solidFill>
+                                          <a:schemeClr val="accent4">
+                                            <a:lumMod val="10000"/>
+                                          </a:schemeClr>
+                                        </a:solidFill>
+                                        <a:latin typeface="Cambria Math"/>
+                                      </a:rPr>
+                                      <m:t>𝑚</m:t>
+                                    </m:r>
+                                  </m:e>
+                                  <m:sub>
+                                    <m:r>
+                                      <a:rPr lang="pt-BR" b="0" i="1" smtClean="0">
+                                        <a:solidFill>
+                                          <a:schemeClr val="accent4">
+                                            <a:lumMod val="10000"/>
+                                          </a:schemeClr>
+                                        </a:solidFill>
+                                        <a:latin typeface="Cambria Math"/>
+                                      </a:rPr>
+                                      <m:t>22</m:t>
+                                    </m:r>
+                                  </m:sub>
+                                </m:sSub>
+                              </m:e>
+                              <m:e>
+                                <m:sSub>
+                                  <m:sSubPr>
+                                    <m:ctrlPr>
+                                      <a:rPr lang="pt-BR" i="1" smtClean="0">
+                                        <a:solidFill>
+                                          <a:schemeClr val="accent4">
+                                            <a:lumMod val="10000"/>
+                                          </a:schemeClr>
+                                        </a:solidFill>
+                                        <a:latin typeface="Cambria Math"/>
+                                      </a:rPr>
+                                    </m:ctrlPr>
+                                  </m:sSubPr>
+                                  <m:e>
+                                    <m:r>
+                                      <a:rPr lang="pt-BR" b="0" i="1" smtClean="0">
+                                        <a:solidFill>
+                                          <a:schemeClr val="accent4">
+                                            <a:lumMod val="10000"/>
+                                          </a:schemeClr>
+                                        </a:solidFill>
+                                        <a:latin typeface="Cambria Math"/>
+                                      </a:rPr>
+                                      <m:t>𝑚</m:t>
+                                    </m:r>
+                                  </m:e>
+                                  <m:sub>
+                                    <m:r>
+                                      <a:rPr lang="pt-BR" b="0" i="1" smtClean="0">
+                                        <a:solidFill>
+                                          <a:schemeClr val="accent4">
+                                            <a:lumMod val="10000"/>
+                                          </a:schemeClr>
+                                        </a:solidFill>
+                                        <a:latin typeface="Cambria Math"/>
+                                      </a:rPr>
+                                      <m:t>23</m:t>
+                                    </m:r>
+                                  </m:sub>
+                                </m:sSub>
+                              </m:e>
+                            </m:mr>
+                            <m:mr>
+                              <m:e>
+                                <m:sSub>
+                                  <m:sSubPr>
+                                    <m:ctrlPr>
+                                      <a:rPr lang="pt-BR" i="1" smtClean="0">
+                                        <a:solidFill>
+                                          <a:schemeClr val="accent4">
+                                            <a:lumMod val="10000"/>
+                                          </a:schemeClr>
+                                        </a:solidFill>
+                                        <a:latin typeface="Cambria Math"/>
+                                      </a:rPr>
+                                    </m:ctrlPr>
+                                  </m:sSubPr>
+                                  <m:e>
+                                    <m:r>
+                                      <a:rPr lang="pt-BR" b="0" i="1" smtClean="0">
+                                        <a:solidFill>
+                                          <a:schemeClr val="accent4">
+                                            <a:lumMod val="10000"/>
+                                          </a:schemeClr>
+                                        </a:solidFill>
+                                        <a:latin typeface="Cambria Math"/>
+                                      </a:rPr>
+                                      <m:t>𝑚</m:t>
+                                    </m:r>
+                                  </m:e>
+                                  <m:sub>
+                                    <m:r>
+                                      <a:rPr lang="pt-BR" b="0" i="1" smtClean="0">
+                                        <a:solidFill>
+                                          <a:schemeClr val="accent4">
+                                            <a:lumMod val="10000"/>
+                                          </a:schemeClr>
+                                        </a:solidFill>
+                                        <a:latin typeface="Cambria Math"/>
+                                      </a:rPr>
+                                      <m:t>31</m:t>
+                                    </m:r>
+                                  </m:sub>
+                                </m:sSub>
+                              </m:e>
+                              <m:e>
+                                <m:sSub>
+                                  <m:sSubPr>
+                                    <m:ctrlPr>
+                                      <a:rPr lang="pt-BR" i="1" smtClean="0">
+                                        <a:solidFill>
+                                          <a:schemeClr val="accent4">
+                                            <a:lumMod val="10000"/>
+                                          </a:schemeClr>
+                                        </a:solidFill>
+                                        <a:latin typeface="Cambria Math"/>
+                                      </a:rPr>
+                                    </m:ctrlPr>
+                                  </m:sSubPr>
+                                  <m:e>
+                                    <m:r>
+                                      <a:rPr lang="pt-BR" b="0" i="1" smtClean="0">
+                                        <a:solidFill>
+                                          <a:schemeClr val="accent4">
+                                            <a:lumMod val="10000"/>
+                                          </a:schemeClr>
+                                        </a:solidFill>
+                                        <a:latin typeface="Cambria Math"/>
+                                      </a:rPr>
+                                      <m:t>𝑚</m:t>
+                                    </m:r>
+                                  </m:e>
+                                  <m:sub>
+                                    <m:r>
+                                      <a:rPr lang="pt-BR" b="0" i="1" smtClean="0">
+                                        <a:solidFill>
+                                          <a:schemeClr val="accent4">
+                                            <a:lumMod val="10000"/>
+                                          </a:schemeClr>
+                                        </a:solidFill>
+                                        <a:latin typeface="Cambria Math"/>
+                                      </a:rPr>
+                                      <m:t>32</m:t>
+                                    </m:r>
+                                  </m:sub>
+                                </m:sSub>
+                              </m:e>
+                              <m:e>
+                                <m:r>
+                                  <a:rPr lang="pt-BR" b="0" i="1" smtClean="0">
+                                    <a:solidFill>
+                                      <a:schemeClr val="accent4">
+                                        <a:lumMod val="10000"/>
+                                      </a:schemeClr>
+                                    </a:solidFill>
+                                    <a:latin typeface="Cambria Math"/>
+                                  </a:rPr>
+                                  <m:t>1</m:t>
+                                </m:r>
+                              </m:e>
+                            </m:mr>
+                          </m:m>
+                        </m:e>
+                      </m:d>
+                      <m:d>
+                        <m:dPr>
+                          <m:begChr m:val="["/>
+                          <m:endChr m:val="]"/>
+                          <m:ctrlPr>
+                            <a:rPr lang="pt-BR" i="1">
+                              <a:solidFill>
+                                <a:schemeClr val="accent4">
+                                  <a:lumMod val="10000"/>
+                                </a:schemeClr>
+                              </a:solidFill>
+                              <a:latin typeface="Cambria Math"/>
+                            </a:rPr>
+                          </m:ctrlPr>
+                        </m:dPr>
+                        <m:e>
+                          <m:m>
+                            <m:mPr>
+                              <m:mcs>
+                                <m:mc>
+                                  <m:mcPr>
+                                    <m:count m:val="1"/>
+                                    <m:mcJc m:val="center"/>
+                                  </m:mcPr>
+                                </m:mc>
+                              </m:mcs>
+                              <m:ctrlPr>
+                                <a:rPr lang="pt-BR" i="1">
+                                  <a:solidFill>
+                                    <a:schemeClr val="accent4">
+                                      <a:lumMod val="10000"/>
+                                    </a:schemeClr>
+                                  </a:solidFill>
+                                  <a:latin typeface="Cambria Math"/>
+                                </a:rPr>
+                              </m:ctrlPr>
+                            </m:mPr>
+                            <m:mr>
+                              <m:e>
+                                <m:sSub>
+                                  <m:sSubPr>
+                                    <m:ctrlPr>
+                                      <a:rPr lang="pt-BR" i="1" smtClean="0">
+                                        <a:solidFill>
+                                          <a:schemeClr val="accent4">
+                                            <a:lumMod val="10000"/>
+                                          </a:schemeClr>
+                                        </a:solidFill>
+                                        <a:latin typeface="Cambria Math"/>
+                                      </a:rPr>
+                                    </m:ctrlPr>
+                                  </m:sSubPr>
+                                  <m:e>
+                                    <m:r>
+                                      <a:rPr lang="pt-BR" b="0" i="1" smtClean="0">
+                                        <a:solidFill>
+                                          <a:schemeClr val="accent4">
+                                            <a:lumMod val="10000"/>
+                                          </a:schemeClr>
+                                        </a:solidFill>
+                                        <a:latin typeface="Cambria Math"/>
+                                      </a:rPr>
+                                      <m:t>𝑥</m:t>
+                                    </m:r>
+                                  </m:e>
+                                  <m:sub>
+                                    <m:r>
+                                      <a:rPr lang="pt-BR" b="0" i="1" smtClean="0">
+                                        <a:solidFill>
+                                          <a:schemeClr val="accent4">
+                                            <a:lumMod val="10000"/>
+                                          </a:schemeClr>
+                                        </a:solidFill>
+                                        <a:latin typeface="Cambria Math"/>
+                                      </a:rPr>
+                                      <m:t>𝑢</m:t>
+                                    </m:r>
+                                  </m:sub>
+                                </m:sSub>
+                              </m:e>
+                            </m:mr>
+                            <m:mr>
+                              <m:e>
+                                <m:sSub>
+                                  <m:sSubPr>
+                                    <m:ctrlPr>
+                                      <a:rPr lang="pt-BR" i="1" smtClean="0">
+                                        <a:solidFill>
+                                          <a:schemeClr val="accent4">
+                                            <a:lumMod val="10000"/>
+                                          </a:schemeClr>
+                                        </a:solidFill>
+                                        <a:latin typeface="Cambria Math"/>
+                                      </a:rPr>
+                                    </m:ctrlPr>
+                                  </m:sSubPr>
+                                  <m:e>
+                                    <m:r>
+                                      <a:rPr lang="pt-BR" b="0" i="1" smtClean="0">
+                                        <a:solidFill>
+                                          <a:schemeClr val="accent4">
+                                            <a:lumMod val="10000"/>
+                                          </a:schemeClr>
+                                        </a:solidFill>
+                                        <a:latin typeface="Cambria Math"/>
+                                      </a:rPr>
+                                      <m:t>𝑦</m:t>
+                                    </m:r>
+                                  </m:e>
+                                  <m:sub>
+                                    <m:r>
+                                      <a:rPr lang="pt-BR" b="0" i="1" smtClean="0">
+                                        <a:solidFill>
+                                          <a:schemeClr val="accent4">
+                                            <a:lumMod val="10000"/>
+                                          </a:schemeClr>
+                                        </a:solidFill>
+                                        <a:latin typeface="Cambria Math"/>
+                                      </a:rPr>
+                                      <m:t>𝑢</m:t>
+                                    </m:r>
+                                  </m:sub>
+                                </m:sSub>
+                              </m:e>
+                            </m:mr>
+                            <m:mr>
+                              <m:e>
+                                <m:r>
+                                  <a:rPr lang="pt-BR" b="0" i="1" smtClean="0">
+                                    <a:solidFill>
+                                      <a:schemeClr val="accent4">
+                                        <a:lumMod val="10000"/>
+                                      </a:schemeClr>
+                                    </a:solidFill>
+                                    <a:latin typeface="Cambria Math"/>
+                                  </a:rPr>
+                                  <m:t>1</m:t>
+                                </m:r>
+                              </m:e>
+                            </m:mr>
+                          </m:m>
+                        </m:e>
+                      </m:d>
                     </m:oMath>
                   </m:oMathPara>
                 </a14:m>
@@ -4085,14 +4834,14 @@
             </p:nvSpPr>
             <p:spPr>
               <a:xfrm>
-                <a:off x="1403648" y="2726053"/>
-                <a:ext cx="1345240" cy="846963"/>
+                <a:off x="2915816" y="2204864"/>
+                <a:ext cx="3340017" cy="832792"/>
               </a:xfrm>
               <a:prstGeom prst="rect">
                 <a:avLst/>
               </a:prstGeom>
               <a:blipFill rotWithShape="1">
-                <a:blip r:embed="rId2"/>
+                <a:blip r:embed="rId3"/>
                 <a:stretch>
                   <a:fillRect/>
                 </a:stretch>
@@ -4731,15 +5480,6 @@
                 <a:headEnd/>
                 <a:tailEnd/>
               </a14:hiddenLine>
-            </a:ext>
-            <a:ext uri="{AF507438-7753-43E0-B8FC-AC1667EBCBE1}">
-              <a14:hiddenEffects xmlns:a14="http://schemas.microsoft.com/office/drawing/2010/main">
-                <a:effectLst>
-                  <a:outerShdw dist="35921" dir="2700000" algn="ctr" rotWithShape="0">
-                    <a:schemeClr val="bg2"/>
-                  </a:outerShdw>
-                </a:effectLst>
-              </a14:hiddenEffects>
             </a:ext>
           </a:extLst>
         </p:spPr>

--- a/doc/pres.pptx
+++ b/doc/pres.pptx
@@ -15,13 +15,24 @@
     <p:sldId id="266" r:id="rId9"/>
     <p:sldId id="265" r:id="rId10"/>
     <p:sldId id="267" r:id="rId11"/>
-    <p:sldId id="268" r:id="rId12"/>
-    <p:sldId id="271" r:id="rId13"/>
-    <p:sldId id="269" r:id="rId14"/>
-    <p:sldId id="270" r:id="rId15"/>
-    <p:sldId id="272" r:id="rId16"/>
-    <p:sldId id="273" r:id="rId17"/>
-    <p:sldId id="274" r:id="rId18"/>
+    <p:sldId id="275" r:id="rId12"/>
+    <p:sldId id="276" r:id="rId13"/>
+    <p:sldId id="277" r:id="rId14"/>
+    <p:sldId id="278" r:id="rId15"/>
+    <p:sldId id="279" r:id="rId16"/>
+    <p:sldId id="282" r:id="rId17"/>
+    <p:sldId id="268" r:id="rId18"/>
+    <p:sldId id="271" r:id="rId19"/>
+    <p:sldId id="269" r:id="rId20"/>
+    <p:sldId id="283" r:id="rId21"/>
+    <p:sldId id="280" r:id="rId22"/>
+    <p:sldId id="281" r:id="rId23"/>
+    <p:sldId id="284" r:id="rId24"/>
+    <p:sldId id="272" r:id="rId25"/>
+    <p:sldId id="273" r:id="rId26"/>
+    <p:sldId id="274" r:id="rId27"/>
+    <p:sldId id="285" r:id="rId28"/>
+    <p:sldId id="286" r:id="rId29"/>
   </p:sldIdLst>
   <p:sldSz cx="9144000" cy="6858000" type="screen4x3"/>
   <p:notesSz cx="6858000" cy="9144000"/>
@@ -149,10 +160,10 @@
           <p:nvPr/>
         </p:nvPicPr>
         <p:blipFill>
-          <a:blip r:embed="rId2">
+          <a:blip r:embed="rId2" cstate="print">
             <a:extLst>
               <a:ext uri="{28A0092B-C50C-407E-A947-70E740481C1C}">
-                <a14:useLocalDpi xmlns:a14="http://schemas.microsoft.com/office/drawing/2010/main" val="0"/>
+                <a14:useLocalDpi xmlns:a14="http://schemas.microsoft.com/office/drawing/2010/main" xmlns="" val="0"/>
               </a:ext>
             </a:extLst>
           </a:blip>
@@ -175,14 +186,14 @@
           </a:ln>
           <a:extLst>
             <a:ext uri="{909E8E84-426E-40DD-AFC4-6F175D3DCCD1}">
-              <a14:hiddenFill xmlns:a14="http://schemas.microsoft.com/office/drawing/2010/main">
+              <a14:hiddenFill xmlns:a14="http://schemas.microsoft.com/office/drawing/2010/main" xmlns="">
                 <a:solidFill>
                   <a:srgbClr val="FFFFFF"/>
                 </a:solidFill>
               </a14:hiddenFill>
             </a:ext>
             <a:ext uri="{91240B29-F687-4F45-9708-019B960494DF}">
-              <a14:hiddenLine xmlns:a14="http://schemas.microsoft.com/office/drawing/2010/main" w="9525">
+              <a14:hiddenLine xmlns:a14="http://schemas.microsoft.com/office/drawing/2010/main" xmlns="" w="9525">
                 <a:solidFill>
                   <a:srgbClr val="000000"/>
                 </a:solidFill>
@@ -265,7 +276,7 @@
     </p:spTree>
     <p:extLst>
       <p:ext uri="{BB962C8B-B14F-4D97-AF65-F5344CB8AC3E}">
-        <p14:creationId xmlns:p14="http://schemas.microsoft.com/office/powerpoint/2010/main" val="429174801"/>
+        <p14:creationId xmlns:p14="http://schemas.microsoft.com/office/powerpoint/2010/main" xmlns="" val="429174801"/>
       </p:ext>
     </p:extLst>
   </p:cSld>
@@ -370,7 +381,7 @@
     </p:spTree>
     <p:extLst>
       <p:ext uri="{BB962C8B-B14F-4D97-AF65-F5344CB8AC3E}">
-        <p14:creationId xmlns:p14="http://schemas.microsoft.com/office/powerpoint/2010/main" val="3136395475"/>
+        <p14:creationId xmlns:p14="http://schemas.microsoft.com/office/powerpoint/2010/main" xmlns="" val="3136395475"/>
       </p:ext>
     </p:extLst>
   </p:cSld>
@@ -485,7 +496,7 @@
     </p:spTree>
     <p:extLst>
       <p:ext uri="{BB962C8B-B14F-4D97-AF65-F5344CB8AC3E}">
-        <p14:creationId xmlns:p14="http://schemas.microsoft.com/office/powerpoint/2010/main" val="3815674636"/>
+        <p14:creationId xmlns:p14="http://schemas.microsoft.com/office/powerpoint/2010/main" xmlns="" val="3815674636"/>
       </p:ext>
     </p:extLst>
   </p:cSld>
@@ -590,7 +601,7 @@
     </p:spTree>
     <p:extLst>
       <p:ext uri="{BB962C8B-B14F-4D97-AF65-F5344CB8AC3E}">
-        <p14:creationId xmlns:p14="http://schemas.microsoft.com/office/powerpoint/2010/main" val="1834532590"/>
+        <p14:creationId xmlns:p14="http://schemas.microsoft.com/office/powerpoint/2010/main" xmlns="" val="1834532590"/>
       </p:ext>
     </p:extLst>
   </p:cSld>
@@ -717,7 +728,7 @@
     </p:spTree>
     <p:extLst>
       <p:ext uri="{BB962C8B-B14F-4D97-AF65-F5344CB8AC3E}">
-        <p14:creationId xmlns:p14="http://schemas.microsoft.com/office/powerpoint/2010/main" val="1625854598"/>
+        <p14:creationId xmlns:p14="http://schemas.microsoft.com/office/powerpoint/2010/main" xmlns="" val="1625854598"/>
       </p:ext>
     </p:extLst>
   </p:cSld>
@@ -940,7 +951,7 @@
     </p:spTree>
     <p:extLst>
       <p:ext uri="{BB962C8B-B14F-4D97-AF65-F5344CB8AC3E}">
-        <p14:creationId xmlns:p14="http://schemas.microsoft.com/office/powerpoint/2010/main" val="853944120"/>
+        <p14:creationId xmlns:p14="http://schemas.microsoft.com/office/powerpoint/2010/main" xmlns="" val="853944120"/>
       </p:ext>
     </p:extLst>
   </p:cSld>
@@ -1302,7 +1313,7 @@
     </p:spTree>
     <p:extLst>
       <p:ext uri="{BB962C8B-B14F-4D97-AF65-F5344CB8AC3E}">
-        <p14:creationId xmlns:p14="http://schemas.microsoft.com/office/powerpoint/2010/main" val="676221449"/>
+        <p14:creationId xmlns:p14="http://schemas.microsoft.com/office/powerpoint/2010/main" xmlns="" val="676221449"/>
       </p:ext>
     </p:extLst>
   </p:cSld>
@@ -1355,7 +1366,7 @@
     </p:spTree>
     <p:extLst>
       <p:ext uri="{BB962C8B-B14F-4D97-AF65-F5344CB8AC3E}">
-        <p14:creationId xmlns:p14="http://schemas.microsoft.com/office/powerpoint/2010/main" val="3594518058"/>
+        <p14:creationId xmlns:p14="http://schemas.microsoft.com/office/powerpoint/2010/main" xmlns="" val="3594518058"/>
       </p:ext>
     </p:extLst>
   </p:cSld>
@@ -1385,7 +1396,7 @@
     </p:spTree>
     <p:extLst>
       <p:ext uri="{BB962C8B-B14F-4D97-AF65-F5344CB8AC3E}">
-        <p14:creationId xmlns:p14="http://schemas.microsoft.com/office/powerpoint/2010/main" val="2306820160"/>
+        <p14:creationId xmlns:p14="http://schemas.microsoft.com/office/powerpoint/2010/main" xmlns="" val="2306820160"/>
       </p:ext>
     </p:extLst>
   </p:cSld>
@@ -1597,7 +1608,7 @@
     </p:spTree>
     <p:extLst>
       <p:ext uri="{BB962C8B-B14F-4D97-AF65-F5344CB8AC3E}">
-        <p14:creationId xmlns:p14="http://schemas.microsoft.com/office/powerpoint/2010/main" val="2896710593"/>
+        <p14:creationId xmlns:p14="http://schemas.microsoft.com/office/powerpoint/2010/main" xmlns="" val="2896710593"/>
       </p:ext>
     </p:extLst>
   </p:cSld>
@@ -1790,7 +1801,7 @@
     </p:spTree>
     <p:extLst>
       <p:ext uri="{BB962C8B-B14F-4D97-AF65-F5344CB8AC3E}">
-        <p14:creationId xmlns:p14="http://schemas.microsoft.com/office/powerpoint/2010/main" val="3594514059"/>
+        <p14:creationId xmlns:p14="http://schemas.microsoft.com/office/powerpoint/2010/main" xmlns="" val="3594514059"/>
       </p:ext>
     </p:extLst>
   </p:cSld>
@@ -1834,10 +1845,10 @@
           <p:nvPr/>
         </p:nvPicPr>
         <p:blipFill>
-          <a:blip r:embed="rId13">
+          <a:blip r:embed="rId13" cstate="print">
             <a:extLst>
               <a:ext uri="{28A0092B-C50C-407E-A947-70E740481C1C}">
-                <a14:useLocalDpi xmlns:a14="http://schemas.microsoft.com/office/drawing/2010/main" val="0"/>
+                <a14:useLocalDpi xmlns:a14="http://schemas.microsoft.com/office/drawing/2010/main" xmlns="" val="0"/>
               </a:ext>
             </a:extLst>
           </a:blip>
@@ -1860,14 +1871,14 @@
           </a:ln>
           <a:extLst>
             <a:ext uri="{909E8E84-426E-40DD-AFC4-6F175D3DCCD1}">
-              <a14:hiddenFill xmlns:a14="http://schemas.microsoft.com/office/drawing/2010/main">
+              <a14:hiddenFill xmlns:a14="http://schemas.microsoft.com/office/drawing/2010/main" xmlns="">
                 <a:solidFill>
                   <a:srgbClr val="FFFFFF"/>
                 </a:solidFill>
               </a14:hiddenFill>
             </a:ext>
             <a:ext uri="{91240B29-F687-4F45-9708-019B960494DF}">
-              <a14:hiddenLine xmlns:a14="http://schemas.microsoft.com/office/drawing/2010/main" w="9525">
+              <a14:hiddenLine xmlns:a14="http://schemas.microsoft.com/office/drawing/2010/main" xmlns="" w="9525">
                 <a:solidFill>
                   <a:srgbClr val="000000"/>
                 </a:solidFill>
@@ -2600,7 +2611,7 @@
     </p:spTree>
     <p:extLst>
       <p:ext uri="{BB962C8B-B14F-4D97-AF65-F5344CB8AC3E}">
-        <p14:creationId xmlns:p14="http://schemas.microsoft.com/office/powerpoint/2010/main" val="2428499654"/>
+        <p14:creationId xmlns:p14="http://schemas.microsoft.com/office/powerpoint/2010/main" xmlns="" val="2428499654"/>
       </p:ext>
     </p:extLst>
   </p:cSld>
@@ -2750,10 +2761,10 @@
           <p:nvPr/>
         </p:nvPicPr>
         <p:blipFill>
-          <a:blip r:embed="rId2">
+          <a:blip r:embed="rId2" cstate="print">
             <a:extLst>
               <a:ext uri="{28A0092B-C50C-407E-A947-70E740481C1C}">
-                <a14:useLocalDpi xmlns:a14="http://schemas.microsoft.com/office/drawing/2010/main" val="0"/>
+                <a14:useLocalDpi xmlns:a14="http://schemas.microsoft.com/office/drawing/2010/main" xmlns="" val="0"/>
               </a:ext>
             </a:extLst>
           </a:blip>
@@ -2777,14 +2788,14 @@
           <a:effectLst/>
           <a:extLst>
             <a:ext uri="{909E8E84-426E-40DD-AFC4-6F175D3DCCD1}">
-              <a14:hiddenFill xmlns:a14="http://schemas.microsoft.com/office/drawing/2010/main">
+              <a14:hiddenFill xmlns:a14="http://schemas.microsoft.com/office/drawing/2010/main" xmlns="">
                 <a:solidFill>
                   <a:schemeClr val="accent1"/>
                 </a:solidFill>
               </a14:hiddenFill>
             </a:ext>
             <a:ext uri="{91240B29-F687-4F45-9708-019B960494DF}">
-              <a14:hiddenLine xmlns:a14="http://schemas.microsoft.com/office/drawing/2010/main" w="9525">
+              <a14:hiddenLine xmlns:a14="http://schemas.microsoft.com/office/drawing/2010/main" xmlns="" w="9525">
                 <a:solidFill>
                   <a:schemeClr val="tx1"/>
                 </a:solidFill>
@@ -2794,7 +2805,7 @@
               </a14:hiddenLine>
             </a:ext>
             <a:ext uri="{AF507438-7753-43E0-B8FC-AC1667EBCBE1}">
-              <a14:hiddenEffects xmlns:a14="http://schemas.microsoft.com/office/drawing/2010/main">
+              <a14:hiddenEffects xmlns:a14="http://schemas.microsoft.com/office/drawing/2010/main" xmlns="">
                 <a:effectLst>
                   <a:outerShdw dist="35921" dir="2700000" algn="ctr" rotWithShape="0">
                     <a:schemeClr val="bg2"/>
@@ -2808,7 +2819,7 @@
     </p:spTree>
     <p:extLst>
       <p:ext uri="{BB962C8B-B14F-4D97-AF65-F5344CB8AC3E}">
-        <p14:creationId xmlns:p14="http://schemas.microsoft.com/office/powerpoint/2010/main" val="1949961589"/>
+        <p14:creationId xmlns:p14="http://schemas.microsoft.com/office/powerpoint/2010/main" xmlns="" val="1949961589"/>
       </p:ext>
     </p:extLst>
   </p:cSld>
@@ -2866,7 +2877,7 @@
             </a:br>
             <a:r>
               <a:rPr lang="pt-BR" dirty="0" smtClean="0"/>
-              <a:t>Pontos de fuga</a:t>
+              <a:t>Linha</a:t>
             </a:r>
             <a:endParaRPr lang="pt-BR" dirty="0"/>
           </a:p>
@@ -2894,7 +2905,7 @@
     </p:spTree>
     <p:extLst>
       <p:ext uri="{BB962C8B-B14F-4D97-AF65-F5344CB8AC3E}">
-        <p14:creationId xmlns:p14="http://schemas.microsoft.com/office/powerpoint/2010/main" val="2640446153"/>
+        <p14:creationId xmlns="" xmlns:p14="http://schemas.microsoft.com/office/powerpoint/2010/main" val="2640446153"/>
       </p:ext>
     </p:extLst>
   </p:cSld>
@@ -2930,7 +2941,7 @@
       </p:grpSpPr>
       <p:sp>
         <p:nvSpPr>
-          <p:cNvPr id="4" name="Título 3"/>
+          <p:cNvPr id="5" name="Título 4"/>
           <p:cNvSpPr>
             <a:spLocks noGrp="1"/>
           </p:cNvSpPr>
@@ -2945,14 +2956,553 @@
           <a:p>
             <a:r>
               <a:rPr lang="pt-BR" dirty="0" smtClean="0"/>
-              <a:t>Detecção de Candidatos</a:t>
+              <a:t>Detecção e Seleção de Linhas</a:t>
             </a:r>
             <a:endParaRPr lang="pt-BR" dirty="0"/>
           </a:p>
         </p:txBody>
       </p:sp>
-      <mc:AlternateContent xmlns:mc="http://schemas.openxmlformats.org/markup-compatibility/2006" xmlns:a14="http://schemas.microsoft.com/office/drawing/2010/main">
-        <mc:Choice Requires="a14">
+      <p:pic>
+        <p:nvPicPr>
+          <p:cNvPr id="9" name="Espaço Reservado para Conteúdo 8" descr="IMG_1257_g.JPG"/>
+          <p:cNvPicPr>
+            <a:picLocks noGrp="1" noChangeAspect="1"/>
+          </p:cNvPicPr>
+          <p:nvPr>
+            <p:ph idx="1"/>
+          </p:nvPr>
+        </p:nvPicPr>
+        <p:blipFill>
+          <a:blip r:embed="rId2" cstate="print"/>
+          <a:stretch>
+            <a:fillRect/>
+          </a:stretch>
+        </p:blipFill>
+        <p:spPr>
+          <a:xfrm>
+            <a:off x="1630363" y="1707356"/>
+            <a:ext cx="6172200" cy="4610100"/>
+          </a:xfrm>
+        </p:spPr>
+      </p:pic>
+    </p:spTree>
+  </p:cSld>
+  <p:clrMapOvr>
+    <a:masterClrMapping/>
+  </p:clrMapOvr>
+  <p:timing>
+    <p:tnLst>
+      <p:par>
+        <p:cTn id="1" dur="indefinite" restart="never" nodeType="tmRoot"/>
+      </p:par>
+    </p:tnLst>
+  </p:timing>
+</p:sld>
+</file>
+
+<file path=ppt/slides/slide13.xml><?xml version="1.0" encoding="utf-8"?>
+<p:sld xmlns:a="http://schemas.openxmlformats.org/drawingml/2006/main" xmlns:r="http://schemas.openxmlformats.org/officeDocument/2006/relationships" xmlns:p="http://schemas.openxmlformats.org/presentationml/2006/main">
+  <p:cSld>
+    <p:spTree>
+      <p:nvGrpSpPr>
+        <p:cNvPr id="1" name=""/>
+        <p:cNvGrpSpPr/>
+        <p:nvPr/>
+      </p:nvGrpSpPr>
+      <p:grpSpPr>
+        <a:xfrm>
+          <a:off x="0" y="0"/>
+          <a:ext cx="0" cy="0"/>
+          <a:chOff x="0" y="0"/>
+          <a:chExt cx="0" cy="0"/>
+        </a:xfrm>
+      </p:grpSpPr>
+      <p:sp>
+        <p:nvSpPr>
+          <p:cNvPr id="5" name="Título 4"/>
+          <p:cNvSpPr>
+            <a:spLocks noGrp="1"/>
+          </p:cNvSpPr>
+          <p:nvPr>
+            <p:ph type="title"/>
+          </p:nvPr>
+        </p:nvSpPr>
+        <p:spPr/>
+        <p:txBody>
+          <a:bodyPr/>
+          <a:lstStyle/>
+          <a:p>
+            <a:r>
+              <a:rPr lang="pt-BR" dirty="0" smtClean="0"/>
+              <a:t>Detecção e Seleção de Linhas</a:t>
+            </a:r>
+            <a:endParaRPr lang="pt-BR" dirty="0"/>
+          </a:p>
+        </p:txBody>
+      </p:sp>
+      <p:sp>
+        <p:nvSpPr>
+          <p:cNvPr id="4" name="Espaço Reservado para Conteúdo 3"/>
+          <p:cNvSpPr>
+            <a:spLocks noGrp="1"/>
+          </p:cNvSpPr>
+          <p:nvPr>
+            <p:ph idx="1"/>
+          </p:nvPr>
+        </p:nvSpPr>
+        <p:spPr/>
+        <p:txBody>
+          <a:bodyPr/>
+          <a:lstStyle/>
+          <a:p>
+            <a:pPr>
+              <a:lnSpc>
+                <a:spcPct val="150000"/>
+              </a:lnSpc>
+            </a:pPr>
+            <a:r>
+              <a:rPr lang="pt-BR" dirty="0" smtClean="0"/>
+              <a:t>Redimensionamento</a:t>
+            </a:r>
+          </a:p>
+          <a:p>
+            <a:pPr>
+              <a:lnSpc>
+                <a:spcPct val="150000"/>
+              </a:lnSpc>
+            </a:pPr>
+            <a:r>
+              <a:rPr lang="pt-BR" dirty="0" smtClean="0"/>
+              <a:t>BlockOtsu</a:t>
+            </a:r>
+          </a:p>
+          <a:p>
+            <a:pPr>
+              <a:lnSpc>
+                <a:spcPct val="150000"/>
+              </a:lnSpc>
+            </a:pPr>
+            <a:r>
+              <a:rPr lang="pt-BR" dirty="0" smtClean="0"/>
+              <a:t>Canny</a:t>
+            </a:r>
+          </a:p>
+          <a:p>
+            <a:pPr>
+              <a:lnSpc>
+                <a:spcPct val="150000"/>
+              </a:lnSpc>
+            </a:pPr>
+            <a:r>
+              <a:rPr lang="pt-BR" dirty="0" smtClean="0"/>
+              <a:t>Componentes Conexos</a:t>
+            </a:r>
+          </a:p>
+          <a:p>
+            <a:pPr lvl="1">
+              <a:lnSpc>
+                <a:spcPct val="150000"/>
+              </a:lnSpc>
+            </a:pPr>
+            <a:r>
+              <a:rPr lang="pt-BR" sz="2000" dirty="0" smtClean="0"/>
+              <a:t>BoundingBox</a:t>
+            </a:r>
+          </a:p>
+          <a:p>
+            <a:pPr lvl="1">
+              <a:lnSpc>
+                <a:spcPct val="150000"/>
+              </a:lnSpc>
+            </a:pPr>
+            <a:r>
+              <a:rPr lang="pt-BR" sz="2000" dirty="0" smtClean="0"/>
+              <a:t>Execcentricity</a:t>
+            </a:r>
+          </a:p>
+          <a:p>
+            <a:pPr lvl="1"/>
+            <a:endParaRPr lang="pt-BR" dirty="0" smtClean="0"/>
+          </a:p>
+        </p:txBody>
+      </p:sp>
+    </p:spTree>
+  </p:cSld>
+  <p:clrMapOvr>
+    <a:masterClrMapping/>
+  </p:clrMapOvr>
+  <p:timing>
+    <p:tnLst>
+      <p:par>
+        <p:cTn id="1" dur="indefinite" restart="never" nodeType="tmRoot"/>
+      </p:par>
+    </p:tnLst>
+  </p:timing>
+</p:sld>
+</file>
+
+<file path=ppt/slides/slide14.xml><?xml version="1.0" encoding="utf-8"?>
+<p:sld xmlns:a="http://schemas.openxmlformats.org/drawingml/2006/main" xmlns:r="http://schemas.openxmlformats.org/officeDocument/2006/relationships" xmlns:p="http://schemas.openxmlformats.org/presentationml/2006/main">
+  <p:cSld>
+    <p:spTree>
+      <p:nvGrpSpPr>
+        <p:cNvPr id="1" name=""/>
+        <p:cNvGrpSpPr/>
+        <p:nvPr/>
+      </p:nvGrpSpPr>
+      <p:grpSpPr>
+        <a:xfrm>
+          <a:off x="0" y="0"/>
+          <a:ext cx="0" cy="0"/>
+          <a:chOff x="0" y="0"/>
+          <a:chExt cx="0" cy="0"/>
+        </a:xfrm>
+      </p:grpSpPr>
+      <p:sp>
+        <p:nvSpPr>
+          <p:cNvPr id="5" name="Título 4"/>
+          <p:cNvSpPr>
+            <a:spLocks noGrp="1"/>
+          </p:cNvSpPr>
+          <p:nvPr>
+            <p:ph type="title"/>
+          </p:nvPr>
+        </p:nvSpPr>
+        <p:spPr/>
+        <p:txBody>
+          <a:bodyPr/>
+          <a:lstStyle/>
+          <a:p>
+            <a:r>
+              <a:rPr lang="pt-BR" dirty="0" smtClean="0"/>
+              <a:t>Detecção e Seleção de Linhas – Bordas</a:t>
+            </a:r>
+            <a:endParaRPr lang="pt-BR" dirty="0"/>
+          </a:p>
+        </p:txBody>
+      </p:sp>
+      <p:pic>
+        <p:nvPicPr>
+          <p:cNvPr id="6" name="Espaço Reservado para Conteúdo 5" descr="IMG_1257_bw.tif"/>
+          <p:cNvPicPr>
+            <a:picLocks noGrp="1" noChangeAspect="1"/>
+          </p:cNvPicPr>
+          <p:nvPr>
+            <p:ph idx="1"/>
+          </p:nvPr>
+        </p:nvPicPr>
+        <p:blipFill>
+          <a:blip r:embed="rId2" cstate="print"/>
+          <a:stretch>
+            <a:fillRect/>
+          </a:stretch>
+        </p:blipFill>
+        <p:spPr>
+          <a:xfrm>
+            <a:off x="1620799" y="1700213"/>
+            <a:ext cx="6191328" cy="4624387"/>
+          </a:xfrm>
+        </p:spPr>
+      </p:pic>
+    </p:spTree>
+  </p:cSld>
+  <p:clrMapOvr>
+    <a:masterClrMapping/>
+  </p:clrMapOvr>
+  <p:timing>
+    <p:tnLst>
+      <p:par>
+        <p:cTn id="1" dur="indefinite" restart="never" nodeType="tmRoot"/>
+      </p:par>
+    </p:tnLst>
+  </p:timing>
+</p:sld>
+</file>
+
+<file path=ppt/slides/slide15.xml><?xml version="1.0" encoding="utf-8"?>
+<p:sld xmlns:a="http://schemas.openxmlformats.org/drawingml/2006/main" xmlns:r="http://schemas.openxmlformats.org/officeDocument/2006/relationships" xmlns:p="http://schemas.openxmlformats.org/presentationml/2006/main">
+  <p:cSld>
+    <p:spTree>
+      <p:nvGrpSpPr>
+        <p:cNvPr id="1" name=""/>
+        <p:cNvGrpSpPr/>
+        <p:nvPr/>
+      </p:nvGrpSpPr>
+      <p:grpSpPr>
+        <a:xfrm>
+          <a:off x="0" y="0"/>
+          <a:ext cx="0" cy="0"/>
+          <a:chOff x="0" y="0"/>
+          <a:chExt cx="0" cy="0"/>
+        </a:xfrm>
+      </p:grpSpPr>
+      <p:sp>
+        <p:nvSpPr>
+          <p:cNvPr id="5" name="Título 4"/>
+          <p:cNvSpPr>
+            <a:spLocks noGrp="1"/>
+          </p:cNvSpPr>
+          <p:nvPr>
+            <p:ph type="title"/>
+          </p:nvPr>
+        </p:nvSpPr>
+        <p:spPr/>
+        <p:txBody>
+          <a:bodyPr/>
+          <a:lstStyle/>
+          <a:p>
+            <a:r>
+              <a:rPr lang="pt-BR" dirty="0" smtClean="0"/>
+              <a:t>Detecção e Seleção de Linhas – Hough</a:t>
+            </a:r>
+            <a:endParaRPr lang="pt-BR" dirty="0"/>
+          </a:p>
+        </p:txBody>
+      </p:sp>
+      <p:pic>
+        <p:nvPicPr>
+          <p:cNvPr id="7" name="Espaço Reservado para Conteúdo 6" descr="temp1.jpg"/>
+          <p:cNvPicPr>
+            <a:picLocks noGrp="1" noChangeAspect="1"/>
+          </p:cNvPicPr>
+          <p:nvPr>
+            <p:ph idx="1"/>
+          </p:nvPr>
+        </p:nvPicPr>
+        <p:blipFill>
+          <a:blip r:embed="rId2" cstate="print"/>
+          <a:stretch>
+            <a:fillRect/>
+          </a:stretch>
+        </p:blipFill>
+        <p:spPr>
+          <a:xfrm>
+            <a:off x="2142592" y="1700213"/>
+            <a:ext cx="5147741" cy="4624387"/>
+          </a:xfrm>
+        </p:spPr>
+      </p:pic>
+    </p:spTree>
+  </p:cSld>
+  <p:clrMapOvr>
+    <a:masterClrMapping/>
+  </p:clrMapOvr>
+  <p:timing>
+    <p:tnLst>
+      <p:par>
+        <p:cTn id="1" dur="indefinite" restart="never" nodeType="tmRoot"/>
+      </p:par>
+    </p:tnLst>
+  </p:timing>
+</p:sld>
+</file>
+
+<file path=ppt/slides/slide16.xml><?xml version="1.0" encoding="utf-8"?>
+<p:sld xmlns:a="http://schemas.openxmlformats.org/drawingml/2006/main" xmlns:r="http://schemas.openxmlformats.org/officeDocument/2006/relationships" xmlns:p="http://schemas.openxmlformats.org/presentationml/2006/main">
+  <p:cSld>
+    <p:spTree>
+      <p:nvGrpSpPr>
+        <p:cNvPr id="1" name=""/>
+        <p:cNvGrpSpPr/>
+        <p:nvPr/>
+      </p:nvGrpSpPr>
+      <p:grpSpPr>
+        <a:xfrm>
+          <a:off x="0" y="0"/>
+          <a:ext cx="0" cy="0"/>
+          <a:chOff x="0" y="0"/>
+          <a:chExt cx="0" cy="0"/>
+        </a:xfrm>
+      </p:grpSpPr>
+      <p:sp>
+        <p:nvSpPr>
+          <p:cNvPr id="5" name="Título 4"/>
+          <p:cNvSpPr>
+            <a:spLocks noGrp="1"/>
+          </p:cNvSpPr>
+          <p:nvPr>
+            <p:ph type="title"/>
+          </p:nvPr>
+        </p:nvSpPr>
+        <p:spPr/>
+        <p:txBody>
+          <a:bodyPr/>
+          <a:lstStyle/>
+          <a:p>
+            <a:r>
+              <a:rPr lang="pt-BR" dirty="0" smtClean="0"/>
+              <a:t>Detecção e Seleção de Linhas – Hough</a:t>
+            </a:r>
+            <a:endParaRPr lang="pt-BR" dirty="0"/>
+          </a:p>
+        </p:txBody>
+      </p:sp>
+      <p:pic>
+        <p:nvPicPr>
+          <p:cNvPr id="6" name="Espaço Reservado para Conteúdo 5" descr="IMG_1257_l.tif"/>
+          <p:cNvPicPr>
+            <a:picLocks noGrp="1" noChangeAspect="1"/>
+          </p:cNvPicPr>
+          <p:nvPr>
+            <p:ph idx="1"/>
+          </p:nvPr>
+        </p:nvPicPr>
+        <p:blipFill>
+          <a:blip r:embed="rId2" cstate="print"/>
+          <a:stretch>
+            <a:fillRect/>
+          </a:stretch>
+        </p:blipFill>
+        <p:spPr>
+          <a:xfrm>
+            <a:off x="1620799" y="1700213"/>
+            <a:ext cx="6191328" cy="4624387"/>
+          </a:xfrm>
+        </p:spPr>
+      </p:pic>
+    </p:spTree>
+  </p:cSld>
+  <p:clrMapOvr>
+    <a:masterClrMapping/>
+  </p:clrMapOvr>
+  <p:timing>
+    <p:tnLst>
+      <p:par>
+        <p:cTn id="1" dur="indefinite" restart="never" nodeType="tmRoot"/>
+      </p:par>
+    </p:tnLst>
+  </p:timing>
+</p:sld>
+</file>
+
+<file path=ppt/slides/slide17.xml><?xml version="1.0" encoding="utf-8"?>
+<p:sld xmlns:a="http://schemas.openxmlformats.org/drawingml/2006/main" xmlns:r="http://schemas.openxmlformats.org/officeDocument/2006/relationships" xmlns:p="http://schemas.openxmlformats.org/presentationml/2006/main">
+  <p:cSld>
+    <p:spTree>
+      <p:nvGrpSpPr>
+        <p:cNvPr id="1" name=""/>
+        <p:cNvGrpSpPr/>
+        <p:nvPr/>
+      </p:nvGrpSpPr>
+      <p:grpSpPr>
+        <a:xfrm>
+          <a:off x="0" y="0"/>
+          <a:ext cx="0" cy="0"/>
+          <a:chOff x="0" y="0"/>
+          <a:chExt cx="0" cy="0"/>
+        </a:xfrm>
+      </p:grpSpPr>
+      <p:sp>
+        <p:nvSpPr>
+          <p:cNvPr id="4" name="Título 3"/>
+          <p:cNvSpPr>
+            <a:spLocks noGrp="1"/>
+          </p:cNvSpPr>
+          <p:nvPr>
+            <p:ph type="title"/>
+          </p:nvPr>
+        </p:nvSpPr>
+        <p:spPr/>
+        <p:txBody>
+          <a:bodyPr/>
+          <a:lstStyle/>
+          <a:p>
+            <a:r>
+              <a:rPr lang="pt-BR" dirty="0" smtClean="0"/>
+              <a:t>Detecção e Seleção de </a:t>
+            </a:r>
+            <a:br>
+              <a:rPr lang="pt-BR" dirty="0" smtClean="0"/>
+            </a:br>
+            <a:r>
+              <a:rPr lang="pt-BR" dirty="0" smtClean="0"/>
+              <a:t>Pontos de fuga</a:t>
+            </a:r>
+            <a:endParaRPr lang="pt-BR" dirty="0"/>
+          </a:p>
+        </p:txBody>
+      </p:sp>
+      <p:sp>
+        <p:nvSpPr>
+          <p:cNvPr id="5" name="Espaço Reservado para Texto 4"/>
+          <p:cNvSpPr>
+            <a:spLocks noGrp="1"/>
+          </p:cNvSpPr>
+          <p:nvPr>
+            <p:ph type="body" idx="1"/>
+          </p:nvPr>
+        </p:nvSpPr>
+        <p:spPr/>
+        <p:txBody>
+          <a:bodyPr/>
+          <a:lstStyle/>
+          <a:p>
+            <a:endParaRPr lang="pt-BR"/>
+          </a:p>
+        </p:txBody>
+      </p:sp>
+    </p:spTree>
+    <p:extLst>
+      <p:ext uri="{BB962C8B-B14F-4D97-AF65-F5344CB8AC3E}">
+        <p14:creationId xmlns:p14="http://schemas.microsoft.com/office/powerpoint/2010/main" xmlns="" val="2640446153"/>
+      </p:ext>
+    </p:extLst>
+  </p:cSld>
+  <p:clrMapOvr>
+    <a:masterClrMapping/>
+  </p:clrMapOvr>
+  <p:timing>
+    <p:tnLst>
+      <p:par>
+        <p:cTn id="1" dur="indefinite" restart="never" nodeType="tmRoot"/>
+      </p:par>
+    </p:tnLst>
+  </p:timing>
+</p:sld>
+</file>
+
+<file path=ppt/slides/slide18.xml><?xml version="1.0" encoding="utf-8"?>
+<p:sld xmlns:a="http://schemas.openxmlformats.org/drawingml/2006/main" xmlns:r="http://schemas.openxmlformats.org/officeDocument/2006/relationships" xmlns:p="http://schemas.openxmlformats.org/presentationml/2006/main">
+  <p:cSld>
+    <p:spTree>
+      <p:nvGrpSpPr>
+        <p:cNvPr id="1" name=""/>
+        <p:cNvGrpSpPr/>
+        <p:nvPr/>
+      </p:nvGrpSpPr>
+      <p:grpSpPr>
+        <a:xfrm>
+          <a:off x="0" y="0"/>
+          <a:ext cx="0" cy="0"/>
+          <a:chOff x="0" y="0"/>
+          <a:chExt cx="0" cy="0"/>
+        </a:xfrm>
+      </p:grpSpPr>
+      <p:sp>
+        <p:nvSpPr>
+          <p:cNvPr id="4" name="Título 3"/>
+          <p:cNvSpPr>
+            <a:spLocks noGrp="1"/>
+          </p:cNvSpPr>
+          <p:nvPr>
+            <p:ph type="title"/>
+          </p:nvPr>
+        </p:nvSpPr>
+        <p:spPr/>
+        <p:txBody>
+          <a:bodyPr/>
+          <a:lstStyle/>
+          <a:p>
+            <a:r>
+              <a:rPr lang="pt-BR" dirty="0" smtClean="0"/>
+              <a:t>Detecção de Candidatos</a:t>
+            </a:r>
+            <a:endParaRPr lang="pt-BR" dirty="0"/>
+          </a:p>
+        </p:txBody>
+      </p:sp>
+      <mc:AlternateContent xmlns:mc="http://schemas.openxmlformats.org/markup-compatibility/2006">
+        <mc:Choice xmlns:a14="http://schemas.microsoft.com/office/drawing/2010/main" xmlns="" Requires="a14">
           <p:sp>
             <p:nvSpPr>
               <p:cNvPr id="5" name="Espaço Reservado para Conteúdo 4"/>
@@ -3121,7 +3671,7 @@
             </p:txBody>
           </p:sp>
         </mc:Choice>
-        <mc:Fallback xmlns="">
+        <mc:Fallback>
           <p:sp>
             <p:nvSpPr>
               <p:cNvPr id="5" name="Espaço Reservado para Conteúdo 4"/>
@@ -3134,7 +3684,7 @@
             </p:nvSpPr>
             <p:spPr>
               <a:blipFill rotWithShape="1">
-                <a:blip r:embed="rId2"/>
+                <a:blip r:embed="rId2" cstate="print"/>
                 <a:stretch>
                   <a:fillRect l="-616" t="-1054"/>
                 </a:stretch>
@@ -3158,7 +3708,7 @@
     </p:spTree>
     <p:extLst>
       <p:ext uri="{BB962C8B-B14F-4D97-AF65-F5344CB8AC3E}">
-        <p14:creationId xmlns:p14="http://schemas.microsoft.com/office/powerpoint/2010/main" val="1183430194"/>
+        <p14:creationId xmlns:p14="http://schemas.microsoft.com/office/powerpoint/2010/main" xmlns="" val="1183430194"/>
       </p:ext>
     </p:extLst>
   </p:cSld>
@@ -3175,7 +3725,7 @@
 </p:sld>
 </file>
 
-<file path=ppt/slides/slide13.xml><?xml version="1.0" encoding="utf-8"?>
+<file path=ppt/slides/slide19.xml><?xml version="1.0" encoding="utf-8"?>
 <p:sld xmlns:a="http://schemas.openxmlformats.org/drawingml/2006/main" xmlns:r="http://schemas.openxmlformats.org/officeDocument/2006/relationships" xmlns:p="http://schemas.openxmlformats.org/presentationml/2006/main">
   <p:cSld>
     <p:spTree>
@@ -3252,8 +3802,8 @@
           </a:p>
         </p:txBody>
       </p:sp>
-      <mc:AlternateContent xmlns:mc="http://schemas.openxmlformats.org/markup-compatibility/2006" xmlns:a14="http://schemas.microsoft.com/office/drawing/2010/main">
-        <mc:Choice Requires="a14">
+      <mc:AlternateContent xmlns:mc="http://schemas.openxmlformats.org/markup-compatibility/2006">
+        <mc:Choice xmlns:a14="http://schemas.microsoft.com/office/drawing/2010/main" xmlns="" Requires="a14">
           <p:sp>
             <p:nvSpPr>
               <p:cNvPr id="7" name="CaixaDeTexto 6"/>
@@ -3629,7 +4179,7 @@
             </p:txBody>
           </p:sp>
         </mc:Choice>
-        <mc:Fallback xmlns="">
+        <mc:Fallback>
           <p:sp>
             <p:nvSpPr>
               <p:cNvPr id="7" name="CaixaDeTexto 6"/>
@@ -3647,7 +4197,7 @@
                 <a:avLst/>
               </a:prstGeom>
               <a:blipFill rotWithShape="1">
-                <a:blip r:embed="rId2"/>
+                <a:blip r:embed="rId2" cstate="print"/>
                 <a:stretch>
                   <a:fillRect/>
                 </a:stretch>
@@ -3671,7 +4221,7 @@
     </p:spTree>
     <p:extLst>
       <p:ext uri="{BB962C8B-B14F-4D97-AF65-F5344CB8AC3E}">
-        <p14:creationId xmlns:p14="http://schemas.microsoft.com/office/powerpoint/2010/main" val="110032311"/>
+        <p14:creationId xmlns:p14="http://schemas.microsoft.com/office/powerpoint/2010/main" xmlns="" val="110032311"/>
       </p:ext>
     </p:extLst>
   </p:cSld>
@@ -3688,7 +4238,7 @@
 </p:sld>
 </file>
 
-<file path=ppt/slides/slide14.xml><?xml version="1.0" encoding="utf-8"?>
+<file path=ppt/slides/slide2.xml><?xml version="1.0" encoding="utf-8"?>
 <p:sld xmlns:a="http://schemas.openxmlformats.org/drawingml/2006/main" xmlns:r="http://schemas.openxmlformats.org/officeDocument/2006/relationships" xmlns:p="http://schemas.openxmlformats.org/presentationml/2006/main">
   <p:cSld>
     <p:spTree>
@@ -3722,7 +4272,7 @@
           <a:p>
             <a:r>
               <a:rPr lang="pt-BR" dirty="0" smtClean="0"/>
-              <a:t>Abordagem Direta</a:t>
+              <a:t>Sumário</a:t>
             </a:r>
             <a:endParaRPr lang="pt-BR" dirty="0"/>
           </a:p>
@@ -3743,14 +4293,54 @@
           <a:bodyPr/>
           <a:lstStyle/>
           <a:p>
-            <a:endParaRPr lang="pt-BR"/>
+            <a:r>
+              <a:rPr lang="pt-BR" dirty="0" smtClean="0"/>
+              <a:t>Introdução</a:t>
+            </a:r>
+          </a:p>
+          <a:p>
+            <a:r>
+              <a:rPr lang="pt-BR" dirty="0" smtClean="0"/>
+              <a:t>Visão Geral</a:t>
+            </a:r>
+          </a:p>
+          <a:p>
+            <a:r>
+              <a:rPr lang="pt-BR" dirty="0" smtClean="0"/>
+              <a:t>Detecção e Seleção de Linhas</a:t>
+            </a:r>
+          </a:p>
+          <a:p>
+            <a:r>
+              <a:rPr lang="pt-BR" dirty="0" smtClean="0"/>
+              <a:t>Detecção e Seleção de Pontos de Fuga</a:t>
+            </a:r>
+          </a:p>
+          <a:p>
+            <a:r>
+              <a:rPr lang="pt-BR" dirty="0" smtClean="0"/>
+              <a:t>Transformação de Retificação</a:t>
+            </a:r>
+          </a:p>
+          <a:p>
+            <a:r>
+              <a:rPr lang="pt-BR" dirty="0" smtClean="0"/>
+              <a:t>Experimentos</a:t>
+            </a:r>
+          </a:p>
+          <a:p>
+            <a:r>
+              <a:rPr lang="pt-BR" dirty="0" smtClean="0"/>
+              <a:t>Conclusão</a:t>
+            </a:r>
+            <a:endParaRPr lang="pt-BR" dirty="0"/>
           </a:p>
         </p:txBody>
       </p:sp>
     </p:spTree>
     <p:extLst>
       <p:ext uri="{BB962C8B-B14F-4D97-AF65-F5344CB8AC3E}">
-        <p14:creationId xmlns:p14="http://schemas.microsoft.com/office/powerpoint/2010/main" val="2017906650"/>
+        <p14:creationId xmlns:p14="http://schemas.microsoft.com/office/powerpoint/2010/main" xmlns="" val="644241701"/>
       </p:ext>
     </p:extLst>
   </p:cSld>
@@ -3767,7 +4357,7 @@
 </p:sld>
 </file>
 
-<file path=ppt/slides/slide15.xml><?xml version="1.0" encoding="utf-8"?>
+<file path=ppt/slides/slide20.xml><?xml version="1.0" encoding="utf-8"?>
 <p:sld xmlns:a="http://schemas.openxmlformats.org/drawingml/2006/main" xmlns:r="http://schemas.openxmlformats.org/officeDocument/2006/relationships" xmlns:p="http://schemas.openxmlformats.org/presentationml/2006/main">
   <p:cSld>
     <p:spTree>
@@ -3801,45 +4391,125 @@
           <a:p>
             <a:r>
               <a:rPr lang="pt-BR" dirty="0" smtClean="0"/>
-              <a:t>Combinação</a:t>
+              <a:t>Abordagem Direta</a:t>
             </a:r>
             <a:endParaRPr lang="pt-BR" dirty="0"/>
           </a:p>
         </p:txBody>
       </p:sp>
+      <p:pic>
+        <p:nvPicPr>
+          <p:cNvPr id="7" name="Espaço Reservado para Conteúdo 6" descr="proj.png"/>
+          <p:cNvPicPr>
+            <a:picLocks noGrp="1" noChangeAspect="1"/>
+          </p:cNvPicPr>
+          <p:nvPr>
+            <p:ph idx="1"/>
+          </p:nvPr>
+        </p:nvPicPr>
+        <p:blipFill>
+          <a:blip r:embed="rId2" cstate="print"/>
+          <a:stretch>
+            <a:fillRect/>
+          </a:stretch>
+        </p:blipFill>
+        <p:spPr>
+          <a:xfrm>
+            <a:off x="2699792" y="2348880"/>
+            <a:ext cx="3813172" cy="3893570"/>
+          </a:xfrm>
+        </p:spPr>
+      </p:pic>
       <p:sp>
         <p:nvSpPr>
-          <p:cNvPr id="3" name="Espaço Reservado para Conteúdo 2"/>
-          <p:cNvSpPr>
-            <a:spLocks noGrp="1"/>
+          <p:cNvPr id="8" name="Espaço Reservado para Conteúdo 4"/>
+          <p:cNvSpPr txBox="1">
+            <a:spLocks/>
           </p:cNvSpPr>
-          <p:nvPr>
-            <p:ph idx="1"/>
-          </p:nvPr>
+          <p:nvPr/>
         </p:nvSpPr>
-        <p:spPr/>
+        <p:spPr bwMode="auto">
+          <a:xfrm>
+            <a:off x="757238" y="1700213"/>
+            <a:ext cx="7918450" cy="4624387"/>
+          </a:xfrm>
+          <a:prstGeom prst="rect">
+            <a:avLst/>
+          </a:prstGeom>
+          <a:noFill/>
+          <a:ln w="9525">
+            <a:noFill/>
+            <a:miter lim="800000"/>
+            <a:headEnd/>
+            <a:tailEnd/>
+          </a:ln>
+          <a:effectLst/>
+        </p:spPr>
         <p:txBody>
-          <a:bodyPr/>
+          <a:bodyPr vert="horz" wrap="square" lIns="91440" tIns="45720" rIns="91440" bIns="45720" numCol="1" anchor="t" anchorCtr="0" compatLnSpc="1">
+            <a:prstTxWarp prst="textNoShape">
+              <a:avLst/>
+            </a:prstTxWarp>
+          </a:bodyPr>
           <a:lstStyle/>
           <a:p>
-            <a:r>
-              <a:rPr lang="pt-BR" dirty="0" smtClean="0"/>
-              <a:t>Os candidatos obtidos pelas abordagens anteriores são combinados a fim de obter resultados mais precisos</a:t>
-            </a:r>
-          </a:p>
-          <a:p>
-            <a:r>
-              <a:rPr lang="pt-BR" dirty="0" smtClean="0"/>
-              <a:t>É escolhido o PF com melhor combinação</a:t>
-            </a:r>
-            <a:endParaRPr lang="pt-BR" dirty="0"/>
+            <a:pPr marL="342900" marR="0" lvl="0" indent="-342900" algn="l" defTabSz="914400" rtl="0" eaLnBrk="1" fontAlgn="base" latinLnBrk="0" hangingPunct="1">
+              <a:lnSpc>
+                <a:spcPct val="100000"/>
+              </a:lnSpc>
+              <a:spcBef>
+                <a:spcPct val="20000"/>
+              </a:spcBef>
+              <a:spcAft>
+                <a:spcPct val="0"/>
+              </a:spcAft>
+              <a:buClr>
+                <a:schemeClr val="hlink"/>
+              </a:buClr>
+              <a:buSzPct val="80000"/>
+              <a:buFont typeface="Wingdings" pitchFamily="2" charset="2"/>
+              <a:buChar char="n"/>
+              <a:tabLst/>
+              <a:defRPr/>
+            </a:pPr>
+            <a:r>
+              <a:rPr lang="pt-BR" sz="2400" b="1" kern="0" dirty="0" smtClean="0">
+                <a:solidFill>
+                  <a:srgbClr val="000000"/>
+                </a:solidFill>
+                <a:effectLst>
+                  <a:outerShdw blurRad="38100" dist="38100" dir="2700000" algn="tl">
+                    <a:srgbClr val="C0C0C0"/>
+                  </a:outerShdw>
+                </a:effectLst>
+              </a:rPr>
+              <a:t>Projeção para cada intersecção</a:t>
+            </a:r>
+            <a:endParaRPr kumimoji="0" lang="pt-BR" sz="2400" b="1" i="0" u="none" strike="noStrike" kern="0" cap="none" spc="0" normalizeH="0" baseline="0" noProof="0" dirty="0" smtClean="0">
+              <a:ln>
+                <a:noFill/>
+              </a:ln>
+              <a:solidFill>
+                <a:srgbClr val="000000"/>
+              </a:solidFill>
+              <a:effectLst>
+                <a:outerShdw blurRad="38100" dist="38100" dir="2700000" algn="tl">
+                  <a:srgbClr val="C0C0C0"/>
+                </a:outerShdw>
+              </a:effectLst>
+              <a:uLnTx/>
+              <a:uFillTx/>
+              <a:latin typeface="+mn-lt"/>
+              <a:ea typeface="+mn-ea"/>
+              <a:cs typeface="+mn-cs"/>
+            </a:endParaRPr>
           </a:p>
         </p:txBody>
       </p:sp>
     </p:spTree>
     <p:extLst>
       <p:ext uri="{BB962C8B-B14F-4D97-AF65-F5344CB8AC3E}">
-        <p14:creationId xmlns:p14="http://schemas.microsoft.com/office/powerpoint/2010/main" val="4029364965"/>
+        <p14:creationId xmlns="" xmlns:p14="http://schemas.microsoft.com/office/powerpoint/2010/main" val="2017906650"/>
       </p:ext>
     </p:extLst>
   </p:cSld>
@@ -3856,7 +4526,425 @@
 </p:sld>
 </file>
 
-<file path=ppt/slides/slide16.xml><?xml version="1.0" encoding="utf-8"?>
+<file path=ppt/slides/slide21.xml><?xml version="1.0" encoding="utf-8"?>
+<p:sld xmlns:a="http://schemas.openxmlformats.org/drawingml/2006/main" xmlns:r="http://schemas.openxmlformats.org/officeDocument/2006/relationships" xmlns:p="http://schemas.openxmlformats.org/presentationml/2006/main">
+  <p:cSld>
+    <p:spTree>
+      <p:nvGrpSpPr>
+        <p:cNvPr id="1" name=""/>
+        <p:cNvGrpSpPr/>
+        <p:nvPr/>
+      </p:nvGrpSpPr>
+      <p:grpSpPr>
+        <a:xfrm>
+          <a:off x="0" y="0"/>
+          <a:ext cx="0" cy="0"/>
+          <a:chOff x="0" y="0"/>
+          <a:chExt cx="0" cy="0"/>
+        </a:xfrm>
+      </p:grpSpPr>
+      <p:sp>
+        <p:nvSpPr>
+          <p:cNvPr id="2" name="Título 1"/>
+          <p:cNvSpPr>
+            <a:spLocks noGrp="1"/>
+          </p:cNvSpPr>
+          <p:nvPr>
+            <p:ph type="title"/>
+          </p:nvPr>
+        </p:nvSpPr>
+        <p:spPr/>
+        <p:txBody>
+          <a:bodyPr/>
+          <a:lstStyle/>
+          <a:p>
+            <a:r>
+              <a:rPr lang="pt-BR" dirty="0" smtClean="0"/>
+              <a:t>Abordagem Direta</a:t>
+            </a:r>
+            <a:endParaRPr lang="pt-BR" dirty="0"/>
+          </a:p>
+        </p:txBody>
+      </p:sp>
+      <p:pic>
+        <p:nvPicPr>
+          <p:cNvPr id="4" name="Espaço Reservado para Conteúdo 3" descr="direto.png"/>
+          <p:cNvPicPr>
+            <a:picLocks noGrp="1" noChangeAspect="1"/>
+          </p:cNvPicPr>
+          <p:nvPr>
+            <p:ph idx="1"/>
+          </p:nvPr>
+        </p:nvPicPr>
+        <p:blipFill>
+          <a:blip r:embed="rId2" cstate="print"/>
+          <a:stretch>
+            <a:fillRect/>
+          </a:stretch>
+        </p:blipFill>
+        <p:spPr>
+          <a:xfrm>
+            <a:off x="819421" y="1700213"/>
+            <a:ext cx="7794083" cy="4624387"/>
+          </a:xfrm>
+        </p:spPr>
+      </p:pic>
+      <p:pic>
+        <p:nvPicPr>
+          <p:cNvPr id="5" name="Imagem 4" descr="histo1.png"/>
+          <p:cNvPicPr>
+            <a:picLocks noChangeAspect="1"/>
+          </p:cNvPicPr>
+          <p:nvPr/>
+        </p:nvPicPr>
+        <p:blipFill>
+          <a:blip r:embed="rId3" cstate="print"/>
+          <a:stretch>
+            <a:fillRect/>
+          </a:stretch>
+        </p:blipFill>
+        <p:spPr>
+          <a:xfrm>
+            <a:off x="971600" y="1196752"/>
+            <a:ext cx="2743583" cy="1581371"/>
+          </a:xfrm>
+          <a:prstGeom prst="rect">
+            <a:avLst/>
+          </a:prstGeom>
+        </p:spPr>
+      </p:pic>
+    </p:spTree>
+    <p:extLst>
+      <p:ext uri="{BB962C8B-B14F-4D97-AF65-F5344CB8AC3E}">
+        <p14:creationId xmlns="" xmlns:p14="http://schemas.microsoft.com/office/powerpoint/2010/main" val="2017906650"/>
+      </p:ext>
+    </p:extLst>
+  </p:cSld>
+  <p:clrMapOvr>
+    <a:masterClrMapping/>
+  </p:clrMapOvr>
+  <p:timing>
+    <p:tnLst>
+      <p:par>
+        <p:cTn id="1" dur="indefinite" restart="never" nodeType="tmRoot"/>
+      </p:par>
+    </p:tnLst>
+  </p:timing>
+</p:sld>
+</file>
+
+<file path=ppt/slides/slide22.xml><?xml version="1.0" encoding="utf-8"?>
+<p:sld xmlns:a="http://schemas.openxmlformats.org/drawingml/2006/main" xmlns:r="http://schemas.openxmlformats.org/officeDocument/2006/relationships" xmlns:p="http://schemas.openxmlformats.org/presentationml/2006/main">
+  <p:cSld>
+    <p:spTree>
+      <p:nvGrpSpPr>
+        <p:cNvPr id="1" name=""/>
+        <p:cNvGrpSpPr/>
+        <p:nvPr/>
+      </p:nvGrpSpPr>
+      <p:grpSpPr>
+        <a:xfrm>
+          <a:off x="0" y="0"/>
+          <a:ext cx="0" cy="0"/>
+          <a:chOff x="0" y="0"/>
+          <a:chExt cx="0" cy="0"/>
+        </a:xfrm>
+      </p:grpSpPr>
+      <p:sp>
+        <p:nvSpPr>
+          <p:cNvPr id="2" name="Título 1"/>
+          <p:cNvSpPr>
+            <a:spLocks noGrp="1"/>
+          </p:cNvSpPr>
+          <p:nvPr>
+            <p:ph type="title"/>
+          </p:nvPr>
+        </p:nvSpPr>
+        <p:spPr/>
+        <p:txBody>
+          <a:bodyPr/>
+          <a:lstStyle/>
+          <a:p>
+            <a:r>
+              <a:rPr lang="pt-BR" dirty="0" smtClean="0"/>
+              <a:t>Abordagem Direta</a:t>
+            </a:r>
+            <a:endParaRPr lang="pt-BR" dirty="0"/>
+          </a:p>
+        </p:txBody>
+      </p:sp>
+      <p:pic>
+        <p:nvPicPr>
+          <p:cNvPr id="4" name="Espaço Reservado para Conteúdo 3" descr="direto.png"/>
+          <p:cNvPicPr>
+            <a:picLocks noGrp="1" noChangeAspect="1"/>
+          </p:cNvPicPr>
+          <p:nvPr>
+            <p:ph idx="1"/>
+          </p:nvPr>
+        </p:nvPicPr>
+        <p:blipFill>
+          <a:blip r:embed="rId2" cstate="print"/>
+          <a:stretch>
+            <a:fillRect/>
+          </a:stretch>
+        </p:blipFill>
+        <p:spPr>
+          <a:xfrm>
+            <a:off x="819421" y="1700213"/>
+            <a:ext cx="7794083" cy="4624387"/>
+          </a:xfrm>
+        </p:spPr>
+      </p:pic>
+      <p:pic>
+        <p:nvPicPr>
+          <p:cNvPr id="6" name="Imagem 5" descr="histo2.png"/>
+          <p:cNvPicPr>
+            <a:picLocks noChangeAspect="1"/>
+          </p:cNvPicPr>
+          <p:nvPr/>
+        </p:nvPicPr>
+        <p:blipFill>
+          <a:blip r:embed="rId3" cstate="print"/>
+          <a:stretch>
+            <a:fillRect/>
+          </a:stretch>
+        </p:blipFill>
+        <p:spPr>
+          <a:xfrm>
+            <a:off x="971600" y="1124744"/>
+            <a:ext cx="2705478" cy="1638529"/>
+          </a:xfrm>
+          <a:prstGeom prst="rect">
+            <a:avLst/>
+          </a:prstGeom>
+        </p:spPr>
+      </p:pic>
+    </p:spTree>
+    <p:extLst>
+      <p:ext uri="{BB962C8B-B14F-4D97-AF65-F5344CB8AC3E}">
+        <p14:creationId xmlns="" xmlns:p14="http://schemas.microsoft.com/office/powerpoint/2010/main" val="2017906650"/>
+      </p:ext>
+    </p:extLst>
+  </p:cSld>
+  <p:clrMapOvr>
+    <a:masterClrMapping/>
+  </p:clrMapOvr>
+  <p:timing>
+    <p:tnLst>
+      <p:par>
+        <p:cTn id="1" dur="indefinite" restart="never" nodeType="tmRoot"/>
+      </p:par>
+    </p:tnLst>
+  </p:timing>
+</p:sld>
+</file>
+
+<file path=ppt/slides/slide23.xml><?xml version="1.0" encoding="utf-8"?>
+<p:sld xmlns:a="http://schemas.openxmlformats.org/drawingml/2006/main" xmlns:r="http://schemas.openxmlformats.org/officeDocument/2006/relationships" xmlns:p="http://schemas.openxmlformats.org/presentationml/2006/main">
+  <p:cSld>
+    <p:spTree>
+      <p:nvGrpSpPr>
+        <p:cNvPr id="1" name=""/>
+        <p:cNvGrpSpPr/>
+        <p:nvPr/>
+      </p:nvGrpSpPr>
+      <p:grpSpPr>
+        <a:xfrm>
+          <a:off x="0" y="0"/>
+          <a:ext cx="0" cy="0"/>
+          <a:chOff x="0" y="0"/>
+          <a:chExt cx="0" cy="0"/>
+        </a:xfrm>
+      </p:grpSpPr>
+      <p:sp>
+        <p:nvSpPr>
+          <p:cNvPr id="2" name="Título 1"/>
+          <p:cNvSpPr>
+            <a:spLocks noGrp="1"/>
+          </p:cNvSpPr>
+          <p:nvPr>
+            <p:ph type="title"/>
+          </p:nvPr>
+        </p:nvSpPr>
+        <p:spPr/>
+        <p:txBody>
+          <a:bodyPr/>
+          <a:lstStyle/>
+          <a:p>
+            <a:r>
+              <a:rPr lang="pt-BR" dirty="0" smtClean="0"/>
+              <a:t>Abordagem Direta</a:t>
+            </a:r>
+            <a:endParaRPr lang="pt-BR" dirty="0"/>
+          </a:p>
+        </p:txBody>
+      </p:sp>
+      <p:sp>
+        <p:nvSpPr>
+          <p:cNvPr id="5" name="Espaço Reservado para Conteúdo 4"/>
+          <p:cNvSpPr>
+            <a:spLocks noGrp="1"/>
+          </p:cNvSpPr>
+          <p:nvPr>
+            <p:ph idx="1"/>
+          </p:nvPr>
+        </p:nvSpPr>
+        <p:spPr/>
+        <p:txBody>
+          <a:bodyPr/>
+          <a:lstStyle/>
+          <a:p>
+            <a:r>
+              <a:rPr lang="pt-BR" dirty="0" smtClean="0"/>
+              <a:t>Métrica:</a:t>
+            </a:r>
+            <a:endParaRPr lang="pt-BR" dirty="0"/>
+          </a:p>
+        </p:txBody>
+      </p:sp>
+      <p:pic>
+        <p:nvPicPr>
+          <p:cNvPr id="2051" name="Picture 3"/>
+          <p:cNvPicPr>
+            <a:picLocks noChangeAspect="1" noChangeArrowheads="1"/>
+          </p:cNvPicPr>
+          <p:nvPr/>
+        </p:nvPicPr>
+        <p:blipFill>
+          <a:blip r:embed="rId2" cstate="print"/>
+          <a:srcRect/>
+          <a:stretch>
+            <a:fillRect/>
+          </a:stretch>
+        </p:blipFill>
+        <p:spPr bwMode="auto">
+          <a:xfrm>
+            <a:off x="2915816" y="2996952"/>
+            <a:ext cx="3276972" cy="966589"/>
+          </a:xfrm>
+          <a:prstGeom prst="rect">
+            <a:avLst/>
+          </a:prstGeom>
+          <a:noFill/>
+          <a:ln w="9525">
+            <a:noFill/>
+            <a:miter lim="800000"/>
+            <a:headEnd/>
+            <a:tailEnd/>
+          </a:ln>
+        </p:spPr>
+      </p:pic>
+    </p:spTree>
+    <p:extLst>
+      <p:ext uri="{BB962C8B-B14F-4D97-AF65-F5344CB8AC3E}">
+        <p14:creationId xmlns="" xmlns:p14="http://schemas.microsoft.com/office/powerpoint/2010/main" val="2017906650"/>
+      </p:ext>
+    </p:extLst>
+  </p:cSld>
+  <p:clrMapOvr>
+    <a:masterClrMapping/>
+  </p:clrMapOvr>
+  <p:timing>
+    <p:tnLst>
+      <p:par>
+        <p:cTn id="1" dur="indefinite" restart="never" nodeType="tmRoot"/>
+      </p:par>
+    </p:tnLst>
+  </p:timing>
+</p:sld>
+</file>
+
+<file path=ppt/slides/slide24.xml><?xml version="1.0" encoding="utf-8"?>
+<p:sld xmlns:a="http://schemas.openxmlformats.org/drawingml/2006/main" xmlns:r="http://schemas.openxmlformats.org/officeDocument/2006/relationships" xmlns:p="http://schemas.openxmlformats.org/presentationml/2006/main">
+  <p:cSld>
+    <p:spTree>
+      <p:nvGrpSpPr>
+        <p:cNvPr id="1" name=""/>
+        <p:cNvGrpSpPr/>
+        <p:nvPr/>
+      </p:nvGrpSpPr>
+      <p:grpSpPr>
+        <a:xfrm>
+          <a:off x="0" y="0"/>
+          <a:ext cx="0" cy="0"/>
+          <a:chOff x="0" y="0"/>
+          <a:chExt cx="0" cy="0"/>
+        </a:xfrm>
+      </p:grpSpPr>
+      <p:sp>
+        <p:nvSpPr>
+          <p:cNvPr id="2" name="Título 1"/>
+          <p:cNvSpPr>
+            <a:spLocks noGrp="1"/>
+          </p:cNvSpPr>
+          <p:nvPr>
+            <p:ph type="title"/>
+          </p:nvPr>
+        </p:nvSpPr>
+        <p:spPr/>
+        <p:txBody>
+          <a:bodyPr/>
+          <a:lstStyle/>
+          <a:p>
+            <a:r>
+              <a:rPr lang="pt-BR" dirty="0" smtClean="0"/>
+              <a:t>Combinação</a:t>
+            </a:r>
+            <a:endParaRPr lang="pt-BR" dirty="0"/>
+          </a:p>
+        </p:txBody>
+      </p:sp>
+      <p:sp>
+        <p:nvSpPr>
+          <p:cNvPr id="3" name="Espaço Reservado para Conteúdo 2"/>
+          <p:cNvSpPr>
+            <a:spLocks noGrp="1"/>
+          </p:cNvSpPr>
+          <p:nvPr>
+            <p:ph idx="1"/>
+          </p:nvPr>
+        </p:nvSpPr>
+        <p:spPr/>
+        <p:txBody>
+          <a:bodyPr/>
+          <a:lstStyle/>
+          <a:p>
+            <a:r>
+              <a:rPr lang="pt-BR" dirty="0" smtClean="0"/>
+              <a:t>Os candidatos obtidos pelas abordagens anteriores são combinados a fim de obter resultados mais precisos</a:t>
+            </a:r>
+          </a:p>
+          <a:p>
+            <a:r>
+              <a:rPr lang="pt-BR" dirty="0" smtClean="0"/>
+              <a:t>É escolhido o PF com melhor combinação</a:t>
+            </a:r>
+            <a:endParaRPr lang="pt-BR" dirty="0"/>
+          </a:p>
+        </p:txBody>
+      </p:sp>
+    </p:spTree>
+    <p:extLst>
+      <p:ext uri="{BB962C8B-B14F-4D97-AF65-F5344CB8AC3E}">
+        <p14:creationId xmlns:p14="http://schemas.microsoft.com/office/powerpoint/2010/main" xmlns="" val="4029364965"/>
+      </p:ext>
+    </p:extLst>
+  </p:cSld>
+  <p:clrMapOvr>
+    <a:masterClrMapping/>
+  </p:clrMapOvr>
+  <p:timing>
+    <p:tnLst>
+      <p:par>
+        <p:cTn id="1" dur="indefinite" restart="never" nodeType="tmRoot"/>
+      </p:par>
+    </p:tnLst>
+  </p:timing>
+</p:sld>
+</file>
+
+<file path=ppt/slides/slide25.xml><?xml version="1.0" encoding="utf-8"?>
 <p:sld xmlns:a="http://schemas.openxmlformats.org/drawingml/2006/main" xmlns:r="http://schemas.openxmlformats.org/officeDocument/2006/relationships" xmlns:p="http://schemas.openxmlformats.org/presentationml/2006/main">
   <p:cSld>
     <p:spTree>
@@ -3918,7 +5006,7 @@
     </p:spTree>
     <p:extLst>
       <p:ext uri="{BB962C8B-B14F-4D97-AF65-F5344CB8AC3E}">
-        <p14:creationId xmlns:p14="http://schemas.microsoft.com/office/powerpoint/2010/main" val="3240611514"/>
+        <p14:creationId xmlns:p14="http://schemas.microsoft.com/office/powerpoint/2010/main" xmlns="" val="3240611514"/>
       </p:ext>
     </p:extLst>
   </p:cSld>
@@ -3935,7 +5023,7 @@
 </p:sld>
 </file>
 
-<file path=ppt/slides/slide17.xml><?xml version="1.0" encoding="utf-8"?>
+<file path=ppt/slides/slide26.xml><?xml version="1.0" encoding="utf-8"?>
 <p:sld xmlns:a="http://schemas.openxmlformats.org/drawingml/2006/main" xmlns:r="http://schemas.openxmlformats.org/officeDocument/2006/relationships" xmlns:p="http://schemas.openxmlformats.org/presentationml/2006/main">
   <p:cSld>
     <p:spTree>
@@ -3961,10 +5049,10 @@
           <p:nvPr/>
         </p:nvPicPr>
         <p:blipFill>
-          <a:blip r:embed="rId2">
+          <a:blip r:embed="rId2" cstate="print">
             <a:extLst>
               <a:ext uri="{28A0092B-C50C-407E-A947-70E740481C1C}">
-                <a14:useLocalDpi xmlns:a14="http://schemas.microsoft.com/office/drawing/2010/main" val="0"/>
+                <a14:useLocalDpi xmlns:a14="http://schemas.microsoft.com/office/drawing/2010/main" xmlns="" val="0"/>
               </a:ext>
             </a:extLst>
           </a:blip>
@@ -3988,14 +5076,14 @@
           <a:effectLst/>
           <a:extLst>
             <a:ext uri="{909E8E84-426E-40DD-AFC4-6F175D3DCCD1}">
-              <a14:hiddenFill xmlns:a14="http://schemas.microsoft.com/office/drawing/2010/main">
+              <a14:hiddenFill xmlns:a14="http://schemas.microsoft.com/office/drawing/2010/main" xmlns="">
                 <a:solidFill>
                   <a:schemeClr val="accent1"/>
                 </a:solidFill>
               </a14:hiddenFill>
             </a:ext>
             <a:ext uri="{91240B29-F687-4F45-9708-019B960494DF}">
-              <a14:hiddenLine xmlns:a14="http://schemas.microsoft.com/office/drawing/2010/main" w="9525">
+              <a14:hiddenLine xmlns:a14="http://schemas.microsoft.com/office/drawing/2010/main" xmlns="" w="9525">
                 <a:solidFill>
                   <a:schemeClr val="tx1"/>
                 </a:solidFill>
@@ -4005,7 +5093,7 @@
               </a14:hiddenLine>
             </a:ext>
             <a:ext uri="{AF507438-7753-43E0-B8FC-AC1667EBCBE1}">
-              <a14:hiddenEffects xmlns:a14="http://schemas.microsoft.com/office/drawing/2010/main">
+              <a14:hiddenEffects xmlns:a14="http://schemas.microsoft.com/office/drawing/2010/main" xmlns="">
                 <a:effectLst>
                   <a:outerShdw dist="35921" dir="2700000" algn="ctr" rotWithShape="0">
                     <a:schemeClr val="bg2"/>
@@ -4075,19 +5163,19 @@
           </a:p>
           <a:p>
             <a:r>
-              <a:rPr lang="pt-BR" dirty="0" err="1" smtClean="0"/>
-              <a:t>Quadrangulo</a:t>
-            </a:r>
-            <a:r>
-              <a:rPr lang="pt-BR" dirty="0" smtClean="0"/>
-              <a:t> convexo</a:t>
+              <a:rPr lang="pt-BR" dirty="0" smtClean="0"/>
+              <a:t>Quadrilátero </a:t>
+            </a:r>
+            <a:r>
+              <a:rPr lang="pt-BR" dirty="0" smtClean="0"/>
+              <a:t>convexo</a:t>
             </a:r>
             <a:endParaRPr lang="pt-BR" dirty="0"/>
           </a:p>
         </p:txBody>
       </p:sp>
       <mc:AlternateContent xmlns:mc="http://schemas.openxmlformats.org/markup-compatibility/2006">
-        <mc:Choice xmlns:a14="http://schemas.microsoft.com/office/drawing/2010/main" Requires="a14">
+        <mc:Choice xmlns:a14="http://schemas.microsoft.com/office/drawing/2010/main" xmlns="" Requires="a14">
           <p:sp>
             <p:nvSpPr>
               <p:cNvPr id="6" name="CaixaDeTexto 5"/>
@@ -4841,7 +5929,7 @@
                 <a:avLst/>
               </a:prstGeom>
               <a:blipFill rotWithShape="1">
-                <a:blip r:embed="rId3"/>
+                <a:blip r:embed="rId3" cstate="print"/>
                 <a:stretch>
                   <a:fillRect/>
                 </a:stretch>
@@ -4865,7 +5953,7 @@
     </p:spTree>
     <p:extLst>
       <p:ext uri="{BB962C8B-B14F-4D97-AF65-F5344CB8AC3E}">
-        <p14:creationId xmlns:p14="http://schemas.microsoft.com/office/powerpoint/2010/main" val="1870067524"/>
+        <p14:creationId xmlns:p14="http://schemas.microsoft.com/office/powerpoint/2010/main" xmlns="" val="1870067524"/>
       </p:ext>
     </p:extLst>
   </p:cSld>
@@ -4882,7 +5970,7 @@
 </p:sld>
 </file>
 
-<file path=ppt/slides/slide2.xml><?xml version="1.0" encoding="utf-8"?>
+<file path=ppt/slides/slide27.xml><?xml version="1.0" encoding="utf-8"?>
 <p:sld xmlns:a="http://schemas.openxmlformats.org/drawingml/2006/main" xmlns:r="http://schemas.openxmlformats.org/officeDocument/2006/relationships" xmlns:p="http://schemas.openxmlformats.org/presentationml/2006/main">
   <p:cSld>
     <p:spTree>
@@ -4901,7 +5989,7 @@
       </p:grpSpPr>
       <p:sp>
         <p:nvSpPr>
-          <p:cNvPr id="2" name="Título 1"/>
+          <p:cNvPr id="4" name="Título 3"/>
           <p:cNvSpPr>
             <a:spLocks noGrp="1"/>
           </p:cNvSpPr>
@@ -4916,7 +6004,7 @@
           <a:p>
             <a:r>
               <a:rPr lang="pt-BR" dirty="0" smtClean="0"/>
-              <a:t>Sumário</a:t>
+              <a:t>Transformação de Retificação</a:t>
             </a:r>
             <a:endParaRPr lang="pt-BR" dirty="0"/>
           </a:p>
@@ -4924,12 +6012,134 @@
       </p:sp>
       <p:sp>
         <p:nvSpPr>
-          <p:cNvPr id="3" name="Espaço Reservado para Conteúdo 2"/>
+          <p:cNvPr id="5" name="Espaço Reservado para Conteúdo 4"/>
           <p:cNvSpPr>
             <a:spLocks noGrp="1"/>
           </p:cNvSpPr>
           <p:nvPr>
             <p:ph idx="1"/>
+          </p:nvPr>
+        </p:nvSpPr>
+        <p:spPr>
+          <a:xfrm>
+            <a:off x="757238" y="1700213"/>
+            <a:ext cx="7631186" cy="576659"/>
+          </a:xfrm>
+        </p:spPr>
+        <p:txBody>
+          <a:bodyPr/>
+          <a:lstStyle/>
+          <a:p>
+            <a:r>
+              <a:rPr lang="pt-BR" dirty="0" smtClean="0"/>
+              <a:t>Resultado do mapeamento de pixels</a:t>
+            </a:r>
+            <a:endParaRPr lang="pt-BR" dirty="0" smtClean="0"/>
+          </a:p>
+          <a:p>
+            <a:endParaRPr lang="pt-BR" dirty="0"/>
+          </a:p>
+          <a:p>
+            <a:endParaRPr lang="pt-BR" dirty="0" smtClean="0"/>
+          </a:p>
+          <a:p>
+            <a:endParaRPr lang="pt-BR" dirty="0"/>
+          </a:p>
+        </p:txBody>
+      </p:sp>
+      <p:pic>
+        <p:nvPicPr>
+          <p:cNvPr id="9" name="Imagem 8" descr="IMG_1257_g.JPG"/>
+          <p:cNvPicPr>
+            <a:picLocks noChangeAspect="1"/>
+          </p:cNvPicPr>
+          <p:nvPr/>
+        </p:nvPicPr>
+        <p:blipFill>
+          <a:blip r:embed="rId2" cstate="print"/>
+          <a:stretch>
+            <a:fillRect/>
+          </a:stretch>
+        </p:blipFill>
+        <p:spPr>
+          <a:xfrm>
+            <a:off x="395536" y="2492896"/>
+            <a:ext cx="3908920" cy="2919626"/>
+          </a:xfrm>
+          <a:prstGeom prst="rect">
+            <a:avLst/>
+          </a:prstGeom>
+        </p:spPr>
+      </p:pic>
+      <p:pic>
+        <p:nvPicPr>
+          <p:cNvPr id="10" name="Imagem 9" descr="IMG_1257_rgb.tif"/>
+          <p:cNvPicPr>
+            <a:picLocks noChangeAspect="1"/>
+          </p:cNvPicPr>
+          <p:nvPr/>
+        </p:nvPicPr>
+        <p:blipFill>
+          <a:blip r:embed="rId3" cstate="print"/>
+          <a:stretch>
+            <a:fillRect/>
+          </a:stretch>
+        </p:blipFill>
+        <p:spPr>
+          <a:xfrm>
+            <a:off x="4572000" y="2636912"/>
+            <a:ext cx="4174185" cy="2580134"/>
+          </a:xfrm>
+          <a:prstGeom prst="rect">
+            <a:avLst/>
+          </a:prstGeom>
+        </p:spPr>
+      </p:pic>
+    </p:spTree>
+    <p:extLst>
+      <p:ext uri="{BB962C8B-B14F-4D97-AF65-F5344CB8AC3E}">
+        <p14:creationId xmlns:p14="http://schemas.microsoft.com/office/powerpoint/2010/main" xmlns="" val="1870067524"/>
+      </p:ext>
+    </p:extLst>
+  </p:cSld>
+  <p:clrMapOvr>
+    <a:masterClrMapping/>
+  </p:clrMapOvr>
+  <p:timing>
+    <p:tnLst>
+      <p:par>
+        <p:cTn id="1" dur="indefinite" restart="never" nodeType="tmRoot"/>
+      </p:par>
+    </p:tnLst>
+  </p:timing>
+</p:sld>
+</file>
+
+<file path=ppt/slides/slide28.xml><?xml version="1.0" encoding="utf-8"?>
+<p:sld xmlns:a="http://schemas.openxmlformats.org/drawingml/2006/main" xmlns:r="http://schemas.openxmlformats.org/officeDocument/2006/relationships" xmlns:p="http://schemas.openxmlformats.org/presentationml/2006/main">
+  <p:cSld>
+    <p:spTree>
+      <p:nvGrpSpPr>
+        <p:cNvPr id="1" name=""/>
+        <p:cNvGrpSpPr/>
+        <p:nvPr/>
+      </p:nvGrpSpPr>
+      <p:grpSpPr>
+        <a:xfrm>
+          <a:off x="0" y="0"/>
+          <a:ext cx="0" cy="0"/>
+          <a:chOff x="0" y="0"/>
+          <a:chExt cx="0" cy="0"/>
+        </a:xfrm>
+      </p:grpSpPr>
+      <p:sp>
+        <p:nvSpPr>
+          <p:cNvPr id="4" name="Título 3"/>
+          <p:cNvSpPr>
+            <a:spLocks noGrp="1"/>
+          </p:cNvSpPr>
+          <p:nvPr>
+            <p:ph type="title"/>
           </p:nvPr>
         </p:nvSpPr>
         <p:spPr/>
@@ -4939,52 +6149,101 @@
           <a:p>
             <a:r>
               <a:rPr lang="pt-BR" dirty="0" smtClean="0"/>
-              <a:t>Introdução</a:t>
-            </a:r>
-          </a:p>
-          <a:p>
-            <a:r>
-              <a:rPr lang="pt-BR" dirty="0" smtClean="0"/>
-              <a:t>Visão Geral</a:t>
-            </a:r>
-          </a:p>
-          <a:p>
-            <a:r>
-              <a:rPr lang="pt-BR" dirty="0" smtClean="0"/>
-              <a:t>Detecção e Seleção de Linhas</a:t>
-            </a:r>
-          </a:p>
-          <a:p>
-            <a:r>
-              <a:rPr lang="pt-BR" dirty="0" smtClean="0"/>
-              <a:t>Detecção e Seleção de Pontos de Fuga</a:t>
-            </a:r>
-          </a:p>
-          <a:p>
-            <a:r>
-              <a:rPr lang="pt-BR" dirty="0" smtClean="0"/>
               <a:t>Transformação de Retificação</a:t>
-            </a:r>
-          </a:p>
-          <a:p>
-            <a:r>
-              <a:rPr lang="pt-BR" dirty="0" smtClean="0"/>
-              <a:t>Experimentos</a:t>
-            </a:r>
-          </a:p>
-          <a:p>
-            <a:r>
-              <a:rPr lang="pt-BR" dirty="0" smtClean="0"/>
-              <a:t>Conclusão</a:t>
             </a:r>
             <a:endParaRPr lang="pt-BR" dirty="0"/>
           </a:p>
         </p:txBody>
       </p:sp>
+      <p:sp>
+        <p:nvSpPr>
+          <p:cNvPr id="5" name="Espaço Reservado para Conteúdo 4"/>
+          <p:cNvSpPr>
+            <a:spLocks noGrp="1"/>
+          </p:cNvSpPr>
+          <p:nvPr>
+            <p:ph idx="1"/>
+          </p:nvPr>
+        </p:nvSpPr>
+        <p:spPr>
+          <a:xfrm>
+            <a:off x="757238" y="1700213"/>
+            <a:ext cx="7631186" cy="576659"/>
+          </a:xfrm>
+        </p:spPr>
+        <p:txBody>
+          <a:bodyPr/>
+          <a:lstStyle/>
+          <a:p>
+            <a:r>
+              <a:rPr lang="pt-BR" dirty="0" smtClean="0"/>
+              <a:t>Resultado do mapeamento de pixels</a:t>
+            </a:r>
+            <a:endParaRPr lang="pt-BR" dirty="0" smtClean="0"/>
+          </a:p>
+          <a:p>
+            <a:endParaRPr lang="pt-BR" dirty="0"/>
+          </a:p>
+          <a:p>
+            <a:endParaRPr lang="pt-BR" dirty="0" smtClean="0"/>
+          </a:p>
+          <a:p>
+            <a:endParaRPr lang="pt-BR" dirty="0"/>
+          </a:p>
+        </p:txBody>
+      </p:sp>
+      <p:pic>
+        <p:nvPicPr>
+          <p:cNvPr id="8" name="Imagem 7" descr="numseioq.jpg"/>
+          <p:cNvPicPr>
+            <a:picLocks noChangeAspect="1"/>
+          </p:cNvPicPr>
+          <p:nvPr/>
+        </p:nvPicPr>
+        <p:blipFill>
+          <a:blip r:embed="rId2" cstate="print"/>
+          <a:stretch>
+            <a:fillRect/>
+          </a:stretch>
+        </p:blipFill>
+        <p:spPr>
+          <a:xfrm>
+            <a:off x="4860032" y="2780928"/>
+            <a:ext cx="3869522" cy="2827226"/>
+          </a:xfrm>
+          <a:prstGeom prst="rect">
+            <a:avLst/>
+          </a:prstGeom>
+        </p:spPr>
+      </p:pic>
+      <p:pic>
+        <p:nvPicPr>
+          <p:cNvPr id="11" name="Imagem 10" descr="IMG_1254_g.JPG"/>
+          <p:cNvPicPr>
+            <a:picLocks noChangeAspect="1"/>
+          </p:cNvPicPr>
+          <p:nvPr/>
+        </p:nvPicPr>
+        <p:blipFill>
+          <a:blip r:embed="rId3" cstate="print"/>
+          <a:stretch>
+            <a:fillRect/>
+          </a:stretch>
+        </p:blipFill>
+        <p:spPr>
+          <a:xfrm>
+            <a:off x="611560" y="2780928"/>
+            <a:ext cx="3797368" cy="2836306"/>
+          </a:xfrm>
+          <a:prstGeom prst="rect">
+            <a:avLst/>
+          </a:prstGeom>
+        </p:spPr>
+      </p:pic>
     </p:spTree>
     <p:extLst>
       <p:ext uri="{BB962C8B-B14F-4D97-AF65-F5344CB8AC3E}">
-        <p14:creationId xmlns:p14="http://schemas.microsoft.com/office/powerpoint/2010/main" val="644241701"/>
+        <p14:creationId xmlns:p14="http://schemas.microsoft.com/office/powerpoint/2010/main" xmlns="" val="1870067524"/>
       </p:ext>
     </p:extLst>
   </p:cSld>
@@ -5063,7 +6322,7 @@
     </p:spTree>
     <p:extLst>
       <p:ext uri="{BB962C8B-B14F-4D97-AF65-F5344CB8AC3E}">
-        <p14:creationId xmlns:p14="http://schemas.microsoft.com/office/powerpoint/2010/main" val="1766535984"/>
+        <p14:creationId xmlns:p14="http://schemas.microsoft.com/office/powerpoint/2010/main" xmlns="" val="1766535984"/>
       </p:ext>
     </p:extLst>
   </p:cSld>
@@ -5217,7 +6476,7 @@
             </a:clrChange>
             <a:extLst>
               <a:ext uri="{28A0092B-C50C-407E-A947-70E740481C1C}">
-                <a14:useLocalDpi xmlns:a14="http://schemas.microsoft.com/office/drawing/2010/main" val="0"/>
+                <a14:useLocalDpi xmlns:a14="http://schemas.microsoft.com/office/drawing/2010/main" xmlns="" val="0"/>
               </a:ext>
             </a:extLst>
           </a:blip>
@@ -5237,7 +6496,7 @@
           <a:noFill/>
           <a:extLst>
             <a:ext uri="{909E8E84-426E-40DD-AFC4-6F175D3DCCD1}">
-              <a14:hiddenFill xmlns:a14="http://schemas.microsoft.com/office/drawing/2010/main">
+              <a14:hiddenFill xmlns:a14="http://schemas.microsoft.com/office/drawing/2010/main" xmlns="">
                 <a:solidFill>
                   <a:srgbClr val="FFFFFF"/>
                 </a:solidFill>
@@ -5249,7 +6508,7 @@
     </p:spTree>
     <p:extLst>
       <p:ext uri="{BB962C8B-B14F-4D97-AF65-F5344CB8AC3E}">
-        <p14:creationId xmlns:p14="http://schemas.microsoft.com/office/powerpoint/2010/main" val="1214147505"/>
+        <p14:creationId xmlns:p14="http://schemas.microsoft.com/office/powerpoint/2010/main" xmlns="" val="1214147505"/>
       </p:ext>
     </p:extLst>
   </p:cSld>
@@ -5386,7 +6645,7 @@
           <a:blip r:embed="rId2" cstate="print">
             <a:extLst>
               <a:ext uri="{28A0092B-C50C-407E-A947-70E740481C1C}">
-                <a14:useLocalDpi xmlns:a14="http://schemas.microsoft.com/office/drawing/2010/main" val="0"/>
+                <a14:useLocalDpi xmlns:a14="http://schemas.microsoft.com/office/drawing/2010/main" xmlns="" val="0"/>
               </a:ext>
             </a:extLst>
           </a:blip>
@@ -5415,7 +6674,7 @@
           </a:effectLst>
           <a:extLst>
             <a:ext uri="{909E8E84-426E-40DD-AFC4-6F175D3DCCD1}">
-              <a14:hiddenFill xmlns:a14="http://schemas.microsoft.com/office/drawing/2010/main">
+              <a14:hiddenFill xmlns:a14="http://schemas.microsoft.com/office/drawing/2010/main" xmlns="">
                 <a:solidFill>
                   <a:srgbClr val="FFFFFF"/>
                 </a:solidFill>
@@ -5436,7 +6695,7 @@
           <a:blip r:embed="rId3" cstate="print">
             <a:extLst>
               <a:ext uri="{28A0092B-C50C-407E-A947-70E740481C1C}">
-                <a14:useLocalDpi xmlns:a14="http://schemas.microsoft.com/office/drawing/2010/main" val="0"/>
+                <a14:useLocalDpi xmlns:a14="http://schemas.microsoft.com/office/drawing/2010/main" xmlns="" val="0"/>
               </a:ext>
             </a:extLst>
           </a:blip>
@@ -5465,14 +6724,14 @@
           </a:effectLst>
           <a:extLst>
             <a:ext uri="{909E8E84-426E-40DD-AFC4-6F175D3DCCD1}">
-              <a14:hiddenFill xmlns:a14="http://schemas.microsoft.com/office/drawing/2010/main">
+              <a14:hiddenFill xmlns:a14="http://schemas.microsoft.com/office/drawing/2010/main" xmlns="">
                 <a:solidFill>
                   <a:schemeClr val="accent1"/>
                 </a:solidFill>
               </a14:hiddenFill>
             </a:ext>
             <a:ext uri="{91240B29-F687-4F45-9708-019B960494DF}">
-              <a14:hiddenLine xmlns:a14="http://schemas.microsoft.com/office/drawing/2010/main" w="9525">
+              <a14:hiddenLine xmlns:a14="http://schemas.microsoft.com/office/drawing/2010/main" xmlns="" w="9525">
                 <a:solidFill>
                   <a:schemeClr val="tx1"/>
                 </a:solidFill>
@@ -5487,7 +6746,7 @@
     </p:spTree>
     <p:extLst>
       <p:ext uri="{BB962C8B-B14F-4D97-AF65-F5344CB8AC3E}">
-        <p14:creationId xmlns:p14="http://schemas.microsoft.com/office/powerpoint/2010/main" val="2222797379"/>
+        <p14:creationId xmlns:p14="http://schemas.microsoft.com/office/powerpoint/2010/main" xmlns="" val="2222797379"/>
       </p:ext>
     </p:extLst>
   </p:cSld>
@@ -5530,10 +6789,10 @@
           <p:nvPr/>
         </p:nvPicPr>
         <p:blipFill>
-          <a:blip r:embed="rId2">
+          <a:blip r:embed="rId2" cstate="print">
             <a:extLst>
               <a:ext uri="{28A0092B-C50C-407E-A947-70E740481C1C}">
-                <a14:useLocalDpi xmlns:a14="http://schemas.microsoft.com/office/drawing/2010/main" val="0"/>
+                <a14:useLocalDpi xmlns:a14="http://schemas.microsoft.com/office/drawing/2010/main" xmlns="" val="0"/>
               </a:ext>
             </a:extLst>
           </a:blip>
@@ -5557,14 +6816,14 @@
           <a:effectLst/>
           <a:extLst>
             <a:ext uri="{909E8E84-426E-40DD-AFC4-6F175D3DCCD1}">
-              <a14:hiddenFill xmlns:a14="http://schemas.microsoft.com/office/drawing/2010/main">
+              <a14:hiddenFill xmlns:a14="http://schemas.microsoft.com/office/drawing/2010/main" xmlns="">
                 <a:solidFill>
                   <a:schemeClr val="accent1"/>
                 </a:solidFill>
               </a14:hiddenFill>
             </a:ext>
             <a:ext uri="{91240B29-F687-4F45-9708-019B960494DF}">
-              <a14:hiddenLine xmlns:a14="http://schemas.microsoft.com/office/drawing/2010/main" w="9525">
+              <a14:hiddenLine xmlns:a14="http://schemas.microsoft.com/office/drawing/2010/main" xmlns="" w="9525">
                 <a:solidFill>
                   <a:schemeClr val="tx1"/>
                 </a:solidFill>
@@ -5574,7 +6833,7 @@
               </a14:hiddenLine>
             </a:ext>
             <a:ext uri="{AF507438-7753-43E0-B8FC-AC1667EBCBE1}">
-              <a14:hiddenEffects xmlns:a14="http://schemas.microsoft.com/office/drawing/2010/main">
+              <a14:hiddenEffects xmlns:a14="http://schemas.microsoft.com/office/drawing/2010/main" xmlns="">
                 <a:effectLst>
                   <a:outerShdw dist="35921" dir="2700000" algn="ctr" rotWithShape="0">
                     <a:schemeClr val="bg2"/>
@@ -5640,7 +6899,7 @@
     </p:spTree>
     <p:extLst>
       <p:ext uri="{BB962C8B-B14F-4D97-AF65-F5344CB8AC3E}">
-        <p14:creationId xmlns:p14="http://schemas.microsoft.com/office/powerpoint/2010/main" val="1411608329"/>
+        <p14:creationId xmlns:p14="http://schemas.microsoft.com/office/powerpoint/2010/main" xmlns="" val="1411608329"/>
       </p:ext>
     </p:extLst>
   </p:cSld>
@@ -5748,10 +7007,10 @@
           <p:nvPr/>
         </p:nvPicPr>
         <p:blipFill>
-          <a:blip r:embed="rId2">
+          <a:blip r:embed="rId2" cstate="print">
             <a:extLst>
               <a:ext uri="{28A0092B-C50C-407E-A947-70E740481C1C}">
-                <a14:useLocalDpi xmlns:a14="http://schemas.microsoft.com/office/drawing/2010/main" val="0"/>
+                <a14:useLocalDpi xmlns:a14="http://schemas.microsoft.com/office/drawing/2010/main" xmlns="" val="0"/>
               </a:ext>
             </a:extLst>
           </a:blip>
@@ -5771,7 +7030,7 @@
           <a:noFill/>
           <a:extLst>
             <a:ext uri="{909E8E84-426E-40DD-AFC4-6F175D3DCCD1}">
-              <a14:hiddenFill xmlns:a14="http://schemas.microsoft.com/office/drawing/2010/main">
+              <a14:hiddenFill xmlns:a14="http://schemas.microsoft.com/office/drawing/2010/main" xmlns="">
                 <a:solidFill>
                   <a:srgbClr val="FFFFFF"/>
                 </a:solidFill>
@@ -5783,7 +7042,7 @@
     </p:spTree>
     <p:extLst>
       <p:ext uri="{BB962C8B-B14F-4D97-AF65-F5344CB8AC3E}">
-        <p14:creationId xmlns:p14="http://schemas.microsoft.com/office/powerpoint/2010/main" val="1681680664"/>
+        <p14:creationId xmlns:p14="http://schemas.microsoft.com/office/powerpoint/2010/main" xmlns="" val="1681680664"/>
       </p:ext>
     </p:extLst>
   </p:cSld>
@@ -5862,7 +7121,7 @@
     </p:spTree>
     <p:extLst>
       <p:ext uri="{BB962C8B-B14F-4D97-AF65-F5344CB8AC3E}">
-        <p14:creationId xmlns:p14="http://schemas.microsoft.com/office/powerpoint/2010/main" val="3436535638"/>
+        <p14:creationId xmlns:p14="http://schemas.microsoft.com/office/powerpoint/2010/main" xmlns="" val="3436535638"/>
       </p:ext>
     </p:extLst>
   </p:cSld>
@@ -5928,10 +7187,10 @@
           <p:nvPr/>
         </p:nvPicPr>
         <p:blipFill>
-          <a:blip r:embed="rId2">
+          <a:blip r:embed="rId2" cstate="print">
             <a:extLst>
               <a:ext uri="{28A0092B-C50C-407E-A947-70E740481C1C}">
-                <a14:useLocalDpi xmlns:a14="http://schemas.microsoft.com/office/drawing/2010/main" val="0"/>
+                <a14:useLocalDpi xmlns:a14="http://schemas.microsoft.com/office/drawing/2010/main" xmlns="" val="0"/>
               </a:ext>
             </a:extLst>
           </a:blip>
@@ -5955,14 +7214,14 @@
           <a:effectLst/>
           <a:extLst>
             <a:ext uri="{909E8E84-426E-40DD-AFC4-6F175D3DCCD1}">
-              <a14:hiddenFill xmlns:a14="http://schemas.microsoft.com/office/drawing/2010/main">
+              <a14:hiddenFill xmlns:a14="http://schemas.microsoft.com/office/drawing/2010/main" xmlns="">
                 <a:solidFill>
                   <a:schemeClr val="accent1"/>
                 </a:solidFill>
               </a14:hiddenFill>
             </a:ext>
             <a:ext uri="{91240B29-F687-4F45-9708-019B960494DF}">
-              <a14:hiddenLine xmlns:a14="http://schemas.microsoft.com/office/drawing/2010/main" w="9525">
+              <a14:hiddenLine xmlns:a14="http://schemas.microsoft.com/office/drawing/2010/main" xmlns="" w="9525">
                 <a:solidFill>
                   <a:schemeClr val="tx1"/>
                 </a:solidFill>
@@ -5972,7 +7231,7 @@
               </a14:hiddenLine>
             </a:ext>
             <a:ext uri="{AF507438-7753-43E0-B8FC-AC1667EBCBE1}">
-              <a14:hiddenEffects xmlns:a14="http://schemas.microsoft.com/office/drawing/2010/main">
+              <a14:hiddenEffects xmlns:a14="http://schemas.microsoft.com/office/drawing/2010/main" xmlns="">
                 <a:effectLst>
                   <a:outerShdw dist="35921" dir="2700000" algn="ctr" rotWithShape="0">
                     <a:schemeClr val="bg2"/>
@@ -5986,7 +7245,7 @@
     </p:spTree>
     <p:extLst>
       <p:ext uri="{BB962C8B-B14F-4D97-AF65-F5344CB8AC3E}">
-        <p14:creationId xmlns:p14="http://schemas.microsoft.com/office/powerpoint/2010/main" val="207974400"/>
+        <p14:creationId xmlns:p14="http://schemas.microsoft.com/office/powerpoint/2010/main" xmlns="" val="207974400"/>
       </p:ext>
     </p:extLst>
   </p:cSld>
